--- a/01 Classes/Aula1 - CLP - Fundamentos Automação Industrial.pptx
+++ b/01 Classes/Aula1 - CLP - Fundamentos Automação Industrial.pptx
@@ -5,7 +5,7 @@
     <p:sldMasterId id="2147483648" r:id="rId1"/>
   </p:sldMasterIdLst>
   <p:notesMasterIdLst>
-    <p:notesMasterId r:id="rId29"/>
+    <p:notesMasterId r:id="rId30"/>
   </p:notesMasterIdLst>
   <p:sldIdLst>
     <p:sldId id="256" r:id="rId2"/>
@@ -19,22 +19,23 @@
     <p:sldId id="368" r:id="rId10"/>
     <p:sldId id="369" r:id="rId11"/>
     <p:sldId id="370" r:id="rId12"/>
-    <p:sldId id="353" r:id="rId13"/>
-    <p:sldId id="355" r:id="rId14"/>
-    <p:sldId id="354" r:id="rId15"/>
-    <p:sldId id="356" r:id="rId16"/>
-    <p:sldId id="357" r:id="rId17"/>
-    <p:sldId id="358" r:id="rId18"/>
-    <p:sldId id="362" r:id="rId19"/>
-    <p:sldId id="361" r:id="rId20"/>
-    <p:sldId id="363" r:id="rId21"/>
-    <p:sldId id="359" r:id="rId22"/>
-    <p:sldId id="333" r:id="rId23"/>
-    <p:sldId id="323" r:id="rId24"/>
-    <p:sldId id="360" r:id="rId25"/>
-    <p:sldId id="364" r:id="rId26"/>
-    <p:sldId id="337" r:id="rId27"/>
-    <p:sldId id="309" r:id="rId28"/>
+    <p:sldId id="371" r:id="rId13"/>
+    <p:sldId id="353" r:id="rId14"/>
+    <p:sldId id="355" r:id="rId15"/>
+    <p:sldId id="354" r:id="rId16"/>
+    <p:sldId id="356" r:id="rId17"/>
+    <p:sldId id="357" r:id="rId18"/>
+    <p:sldId id="358" r:id="rId19"/>
+    <p:sldId id="362" r:id="rId20"/>
+    <p:sldId id="361" r:id="rId21"/>
+    <p:sldId id="363" r:id="rId22"/>
+    <p:sldId id="359" r:id="rId23"/>
+    <p:sldId id="333" r:id="rId24"/>
+    <p:sldId id="323" r:id="rId25"/>
+    <p:sldId id="360" r:id="rId26"/>
+    <p:sldId id="364" r:id="rId27"/>
+    <p:sldId id="337" r:id="rId28"/>
+    <p:sldId id="309" r:id="rId29"/>
   </p:sldIdLst>
   <p:sldSz cx="9144000" cy="5143500" type="screen16x9"/>
   <p:notesSz cx="6858000" cy="9144000"/>
@@ -673,6 +674,90 @@
         <p:cNvPr id="1" name="">
           <a:extLst>
             <a:ext uri="{FF2B5EF4-FFF2-40B4-BE49-F238E27FC236}">
+              <a16:creationId xmlns:a16="http://schemas.microsoft.com/office/drawing/2014/main" id="{705E3914-65D8-7FE7-35AB-2CCF0C5C83EC}"/>
+            </a:ext>
+          </a:extLst>
+        </p:cNvPr>
+        <p:cNvGrpSpPr/>
+        <p:nvPr/>
+      </p:nvGrpSpPr>
+      <p:grpSpPr>
+        <a:xfrm>
+          <a:off x="0" y="0"/>
+          <a:ext cx="0" cy="0"/>
+          <a:chOff x="0" y="0"/>
+          <a:chExt cx="0" cy="0"/>
+        </a:xfrm>
+      </p:grpSpPr>
+      <p:sp>
+        <p:nvSpPr>
+          <p:cNvPr id="2" name="Espaço Reservado para Imagem de Slide 1">
+            <a:extLst>
+              <a:ext uri="{FF2B5EF4-FFF2-40B4-BE49-F238E27FC236}">
+                <a16:creationId xmlns:a16="http://schemas.microsoft.com/office/drawing/2014/main" id="{44DDFFC2-7E46-FCCA-9D5A-7558AE6248DC}"/>
+              </a:ext>
+            </a:extLst>
+          </p:cNvPr>
+          <p:cNvSpPr>
+            <a:spLocks noGrp="1" noRot="1" noChangeAspect="1"/>
+          </p:cNvSpPr>
+          <p:nvPr>
+            <p:ph type="sldImg"/>
+          </p:nvPr>
+        </p:nvSpPr>
+        <p:spPr>
+          <a:xfrm>
+            <a:off x="381000" y="685800"/>
+            <a:ext cx="6096000" cy="3429000"/>
+          </a:xfrm>
+        </p:spPr>
+      </p:sp>
+      <p:sp>
+        <p:nvSpPr>
+          <p:cNvPr id="3" name="Espaço Reservado para Anotações 2">
+            <a:extLst>
+              <a:ext uri="{FF2B5EF4-FFF2-40B4-BE49-F238E27FC236}">
+                <a16:creationId xmlns:a16="http://schemas.microsoft.com/office/drawing/2014/main" id="{B3B9F2A8-56B2-FAA0-BE8E-7AE6737E6B22}"/>
+              </a:ext>
+            </a:extLst>
+          </p:cNvPr>
+          <p:cNvSpPr>
+            <a:spLocks noGrp="1"/>
+          </p:cNvSpPr>
+          <p:nvPr>
+            <p:ph type="body" idx="1"/>
+          </p:nvPr>
+        </p:nvSpPr>
+        <p:spPr/>
+        <p:txBody>
+          <a:bodyPr/>
+          <a:lstStyle/>
+          <a:p>
+            <a:endParaRPr lang="pt-BR" dirty="0"/>
+          </a:p>
+        </p:txBody>
+      </p:sp>
+    </p:spTree>
+    <p:extLst>
+      <p:ext uri="{BB962C8B-B14F-4D97-AF65-F5344CB8AC3E}">
+        <p14:creationId xmlns:p14="http://schemas.microsoft.com/office/powerpoint/2010/main" val="152956911"/>
+      </p:ext>
+    </p:extLst>
+  </p:cSld>
+  <p:clrMapOvr>
+    <a:masterClrMapping/>
+  </p:clrMapOvr>
+</p:notes>
+</file>
+
+<file path=ppt/notesSlides/notesSlide12.xml><?xml version="1.0" encoding="utf-8"?>
+<p:notes xmlns:a="http://schemas.openxmlformats.org/drawingml/2006/main" xmlns:r="http://schemas.openxmlformats.org/officeDocument/2006/relationships" xmlns:p="http://schemas.openxmlformats.org/presentationml/2006/main">
+  <p:cSld>
+    <p:spTree>
+      <p:nvGrpSpPr>
+        <p:cNvPr id="1" name="">
+          <a:extLst>
+            <a:ext uri="{FF2B5EF4-FFF2-40B4-BE49-F238E27FC236}">
               <a16:creationId xmlns:a16="http://schemas.microsoft.com/office/drawing/2014/main" id="{EE171307-12C6-83ED-E80D-154EBBEE10C0}"/>
             </a:ext>
           </a:extLst>
@@ -749,7 +834,7 @@
 </p:notes>
 </file>
 
-<file path=ppt/notesSlides/notesSlide12.xml><?xml version="1.0" encoding="utf-8"?>
+<file path=ppt/notesSlides/notesSlide13.xml><?xml version="1.0" encoding="utf-8"?>
 <p:notes xmlns:a="http://schemas.openxmlformats.org/drawingml/2006/main" xmlns:r="http://schemas.openxmlformats.org/officeDocument/2006/relationships" xmlns:p="http://schemas.openxmlformats.org/presentationml/2006/main">
   <p:cSld>
     <p:spTree>
@@ -833,7 +918,7 @@
 </p:notes>
 </file>
 
-<file path=ppt/notesSlides/notesSlide13.xml><?xml version="1.0" encoding="utf-8"?>
+<file path=ppt/notesSlides/notesSlide14.xml><?xml version="1.0" encoding="utf-8"?>
 <p:notes xmlns:a="http://schemas.openxmlformats.org/drawingml/2006/main" xmlns:r="http://schemas.openxmlformats.org/officeDocument/2006/relationships" xmlns:p="http://schemas.openxmlformats.org/presentationml/2006/main">
   <p:cSld>
     <p:spTree>
@@ -917,7 +1002,7 @@
 </p:notes>
 </file>
 
-<file path=ppt/notesSlides/notesSlide14.xml><?xml version="1.0" encoding="utf-8"?>
+<file path=ppt/notesSlides/notesSlide15.xml><?xml version="1.0" encoding="utf-8"?>
 <p:notes xmlns:a="http://schemas.openxmlformats.org/drawingml/2006/main" xmlns:r="http://schemas.openxmlformats.org/officeDocument/2006/relationships" xmlns:p="http://schemas.openxmlformats.org/presentationml/2006/main">
   <p:cSld>
     <p:spTree>
@@ -1001,7 +1086,7 @@
 </p:notes>
 </file>
 
-<file path=ppt/notesSlides/notesSlide15.xml><?xml version="1.0" encoding="utf-8"?>
+<file path=ppt/notesSlides/notesSlide16.xml><?xml version="1.0" encoding="utf-8"?>
 <p:notes xmlns:a="http://schemas.openxmlformats.org/drawingml/2006/main" xmlns:r="http://schemas.openxmlformats.org/officeDocument/2006/relationships" xmlns:p="http://schemas.openxmlformats.org/presentationml/2006/main">
   <p:cSld>
     <p:spTree>
@@ -1085,7 +1170,7 @@
 </p:notes>
 </file>
 
-<file path=ppt/notesSlides/notesSlide16.xml><?xml version="1.0" encoding="utf-8"?>
+<file path=ppt/notesSlides/notesSlide17.xml><?xml version="1.0" encoding="utf-8"?>
 <p:notes xmlns:a="http://schemas.openxmlformats.org/drawingml/2006/main" xmlns:r="http://schemas.openxmlformats.org/officeDocument/2006/relationships" xmlns:p="http://schemas.openxmlformats.org/presentationml/2006/main">
   <p:cSld>
     <p:spTree>
@@ -1169,7 +1254,7 @@
 </p:notes>
 </file>
 
-<file path=ppt/notesSlides/notesSlide17.xml><?xml version="1.0" encoding="utf-8"?>
+<file path=ppt/notesSlides/notesSlide18.xml><?xml version="1.0" encoding="utf-8"?>
 <p:notes xmlns:a="http://schemas.openxmlformats.org/drawingml/2006/main" xmlns:r="http://schemas.openxmlformats.org/officeDocument/2006/relationships" xmlns:p="http://schemas.openxmlformats.org/presentationml/2006/main">
   <p:cSld>
     <p:spTree>
@@ -1253,7 +1338,7 @@
 </p:notes>
 </file>
 
-<file path=ppt/notesSlides/notesSlide18.xml><?xml version="1.0" encoding="utf-8"?>
+<file path=ppt/notesSlides/notesSlide19.xml><?xml version="1.0" encoding="utf-8"?>
 <p:notes xmlns:a="http://schemas.openxmlformats.org/drawingml/2006/main" xmlns:r="http://schemas.openxmlformats.org/officeDocument/2006/relationships" xmlns:p="http://schemas.openxmlformats.org/presentationml/2006/main">
   <p:cSld>
     <p:spTree>
@@ -1337,7 +1422,73 @@
 </p:notes>
 </file>
 
-<file path=ppt/notesSlides/notesSlide19.xml><?xml version="1.0" encoding="utf-8"?>
+<file path=ppt/notesSlides/notesSlide2.xml><?xml version="1.0" encoding="utf-8"?>
+<p:notes xmlns:a="http://schemas.openxmlformats.org/drawingml/2006/main" xmlns:r="http://schemas.openxmlformats.org/officeDocument/2006/relationships" xmlns:p="http://schemas.openxmlformats.org/presentationml/2006/main">
+  <p:cSld>
+    <p:spTree>
+      <p:nvGrpSpPr>
+        <p:cNvPr id="1" name=""/>
+        <p:cNvGrpSpPr/>
+        <p:nvPr/>
+      </p:nvGrpSpPr>
+      <p:grpSpPr>
+        <a:xfrm>
+          <a:off x="0" y="0"/>
+          <a:ext cx="0" cy="0"/>
+          <a:chOff x="0" y="0"/>
+          <a:chExt cx="0" cy="0"/>
+        </a:xfrm>
+      </p:grpSpPr>
+      <p:sp>
+        <p:nvSpPr>
+          <p:cNvPr id="2" name="Espaço Reservado para Imagem de Slide 1"/>
+          <p:cNvSpPr>
+            <a:spLocks noGrp="1" noRot="1" noChangeAspect="1"/>
+          </p:cNvSpPr>
+          <p:nvPr>
+            <p:ph type="sldImg"/>
+          </p:nvPr>
+        </p:nvSpPr>
+        <p:spPr>
+          <a:xfrm>
+            <a:off x="381000" y="685800"/>
+            <a:ext cx="6096000" cy="3429000"/>
+          </a:xfrm>
+        </p:spPr>
+      </p:sp>
+      <p:sp>
+        <p:nvSpPr>
+          <p:cNvPr id="3" name="Espaço Reservado para Anotações 2"/>
+          <p:cNvSpPr>
+            <a:spLocks noGrp="1"/>
+          </p:cNvSpPr>
+          <p:nvPr>
+            <p:ph type="body" idx="1"/>
+          </p:nvPr>
+        </p:nvSpPr>
+        <p:spPr/>
+        <p:txBody>
+          <a:bodyPr/>
+          <a:lstStyle/>
+          <a:p>
+            <a:endParaRPr lang="pt-BR" dirty="0"/>
+          </a:p>
+        </p:txBody>
+      </p:sp>
+    </p:spTree>
+    <p:extLst>
+      <p:ext uri="{BB962C8B-B14F-4D97-AF65-F5344CB8AC3E}">
+        <p14:creationId xmlns:p14="http://schemas.microsoft.com/office/powerpoint/2010/main" val="3035753547"/>
+      </p:ext>
+    </p:extLst>
+  </p:cSld>
+  <p:clrMapOvr>
+    <a:masterClrMapping/>
+  </p:clrMapOvr>
+</p:notes>
+</file>
+
+<file path=ppt/notesSlides/notesSlide20.xml><?xml version="1.0" encoding="utf-8"?>
 <p:notes xmlns:a="http://schemas.openxmlformats.org/drawingml/2006/main" xmlns:r="http://schemas.openxmlformats.org/officeDocument/2006/relationships" xmlns:p="http://schemas.openxmlformats.org/presentationml/2006/main">
   <p:cSld>
     <p:spTree>
@@ -1421,73 +1572,7 @@
 </p:notes>
 </file>
 
-<file path=ppt/notesSlides/notesSlide2.xml><?xml version="1.0" encoding="utf-8"?>
-<p:notes xmlns:a="http://schemas.openxmlformats.org/drawingml/2006/main" xmlns:r="http://schemas.openxmlformats.org/officeDocument/2006/relationships" xmlns:p="http://schemas.openxmlformats.org/presentationml/2006/main">
-  <p:cSld>
-    <p:spTree>
-      <p:nvGrpSpPr>
-        <p:cNvPr id="1" name=""/>
-        <p:cNvGrpSpPr/>
-        <p:nvPr/>
-      </p:nvGrpSpPr>
-      <p:grpSpPr>
-        <a:xfrm>
-          <a:off x="0" y="0"/>
-          <a:ext cx="0" cy="0"/>
-          <a:chOff x="0" y="0"/>
-          <a:chExt cx="0" cy="0"/>
-        </a:xfrm>
-      </p:grpSpPr>
-      <p:sp>
-        <p:nvSpPr>
-          <p:cNvPr id="2" name="Espaço Reservado para Imagem de Slide 1"/>
-          <p:cNvSpPr>
-            <a:spLocks noGrp="1" noRot="1" noChangeAspect="1"/>
-          </p:cNvSpPr>
-          <p:nvPr>
-            <p:ph type="sldImg"/>
-          </p:nvPr>
-        </p:nvSpPr>
-        <p:spPr>
-          <a:xfrm>
-            <a:off x="381000" y="685800"/>
-            <a:ext cx="6096000" cy="3429000"/>
-          </a:xfrm>
-        </p:spPr>
-      </p:sp>
-      <p:sp>
-        <p:nvSpPr>
-          <p:cNvPr id="3" name="Espaço Reservado para Anotações 2"/>
-          <p:cNvSpPr>
-            <a:spLocks noGrp="1"/>
-          </p:cNvSpPr>
-          <p:nvPr>
-            <p:ph type="body" idx="1"/>
-          </p:nvPr>
-        </p:nvSpPr>
-        <p:spPr/>
-        <p:txBody>
-          <a:bodyPr/>
-          <a:lstStyle/>
-          <a:p>
-            <a:endParaRPr lang="pt-BR" dirty="0"/>
-          </a:p>
-        </p:txBody>
-      </p:sp>
-    </p:spTree>
-    <p:extLst>
-      <p:ext uri="{BB962C8B-B14F-4D97-AF65-F5344CB8AC3E}">
-        <p14:creationId xmlns:p14="http://schemas.microsoft.com/office/powerpoint/2010/main" val="3035753547"/>
-      </p:ext>
-    </p:extLst>
-  </p:cSld>
-  <p:clrMapOvr>
-    <a:masterClrMapping/>
-  </p:clrMapOvr>
-</p:notes>
-</file>
-
-<file path=ppt/notesSlides/notesSlide20.xml><?xml version="1.0" encoding="utf-8"?>
+<file path=ppt/notesSlides/notesSlide21.xml><?xml version="1.0" encoding="utf-8"?>
 <p:notes xmlns:a="http://schemas.openxmlformats.org/drawingml/2006/main" xmlns:r="http://schemas.openxmlformats.org/officeDocument/2006/relationships" xmlns:p="http://schemas.openxmlformats.org/presentationml/2006/main">
   <p:cSld>
     <p:spTree>
@@ -1571,72 +1656,6 @@
 </p:notes>
 </file>
 
-<file path=ppt/notesSlides/notesSlide21.xml><?xml version="1.0" encoding="utf-8"?>
-<p:notes xmlns:a="http://schemas.openxmlformats.org/drawingml/2006/main" xmlns:r="http://schemas.openxmlformats.org/officeDocument/2006/relationships" xmlns:p="http://schemas.openxmlformats.org/presentationml/2006/main">
-  <p:cSld>
-    <p:spTree>
-      <p:nvGrpSpPr>
-        <p:cNvPr id="1" name=""/>
-        <p:cNvGrpSpPr/>
-        <p:nvPr/>
-      </p:nvGrpSpPr>
-      <p:grpSpPr>
-        <a:xfrm>
-          <a:off x="0" y="0"/>
-          <a:ext cx="0" cy="0"/>
-          <a:chOff x="0" y="0"/>
-          <a:chExt cx="0" cy="0"/>
-        </a:xfrm>
-      </p:grpSpPr>
-      <p:sp>
-        <p:nvSpPr>
-          <p:cNvPr id="2" name="Espaço Reservado para Imagem de Slide 1"/>
-          <p:cNvSpPr>
-            <a:spLocks noGrp="1" noRot="1" noChangeAspect="1"/>
-          </p:cNvSpPr>
-          <p:nvPr>
-            <p:ph type="sldImg"/>
-          </p:nvPr>
-        </p:nvSpPr>
-        <p:spPr>
-          <a:xfrm>
-            <a:off x="381000" y="685800"/>
-            <a:ext cx="6096000" cy="3429000"/>
-          </a:xfrm>
-        </p:spPr>
-      </p:sp>
-      <p:sp>
-        <p:nvSpPr>
-          <p:cNvPr id="3" name="Espaço Reservado para Anotações 2"/>
-          <p:cNvSpPr>
-            <a:spLocks noGrp="1"/>
-          </p:cNvSpPr>
-          <p:nvPr>
-            <p:ph type="body" idx="1"/>
-          </p:nvPr>
-        </p:nvSpPr>
-        <p:spPr/>
-        <p:txBody>
-          <a:bodyPr/>
-          <a:lstStyle/>
-          <a:p>
-            <a:endParaRPr lang="pt-BR" dirty="0"/>
-          </a:p>
-        </p:txBody>
-      </p:sp>
-    </p:spTree>
-    <p:extLst>
-      <p:ext uri="{BB962C8B-B14F-4D97-AF65-F5344CB8AC3E}">
-        <p14:creationId xmlns:p14="http://schemas.microsoft.com/office/powerpoint/2010/main" val="585304384"/>
-      </p:ext>
-    </p:extLst>
-  </p:cSld>
-  <p:clrMapOvr>
-    <a:masterClrMapping/>
-  </p:clrMapOvr>
-</p:notes>
-</file>
-
 <file path=ppt/notesSlides/notesSlide22.xml><?xml version="1.0" encoding="utf-8"?>
 <p:notes xmlns:a="http://schemas.openxmlformats.org/drawingml/2006/main" xmlns:r="http://schemas.openxmlformats.org/officeDocument/2006/relationships" xmlns:p="http://schemas.openxmlformats.org/presentationml/2006/main">
   <p:cSld>
@@ -1693,6 +1712,72 @@
     </p:spTree>
     <p:extLst>
       <p:ext uri="{BB962C8B-B14F-4D97-AF65-F5344CB8AC3E}">
+        <p14:creationId xmlns:p14="http://schemas.microsoft.com/office/powerpoint/2010/main" val="585304384"/>
+      </p:ext>
+    </p:extLst>
+  </p:cSld>
+  <p:clrMapOvr>
+    <a:masterClrMapping/>
+  </p:clrMapOvr>
+</p:notes>
+</file>
+
+<file path=ppt/notesSlides/notesSlide23.xml><?xml version="1.0" encoding="utf-8"?>
+<p:notes xmlns:a="http://schemas.openxmlformats.org/drawingml/2006/main" xmlns:r="http://schemas.openxmlformats.org/officeDocument/2006/relationships" xmlns:p="http://schemas.openxmlformats.org/presentationml/2006/main">
+  <p:cSld>
+    <p:spTree>
+      <p:nvGrpSpPr>
+        <p:cNvPr id="1" name=""/>
+        <p:cNvGrpSpPr/>
+        <p:nvPr/>
+      </p:nvGrpSpPr>
+      <p:grpSpPr>
+        <a:xfrm>
+          <a:off x="0" y="0"/>
+          <a:ext cx="0" cy="0"/>
+          <a:chOff x="0" y="0"/>
+          <a:chExt cx="0" cy="0"/>
+        </a:xfrm>
+      </p:grpSpPr>
+      <p:sp>
+        <p:nvSpPr>
+          <p:cNvPr id="2" name="Espaço Reservado para Imagem de Slide 1"/>
+          <p:cNvSpPr>
+            <a:spLocks noGrp="1" noRot="1" noChangeAspect="1"/>
+          </p:cNvSpPr>
+          <p:nvPr>
+            <p:ph type="sldImg"/>
+          </p:nvPr>
+        </p:nvSpPr>
+        <p:spPr>
+          <a:xfrm>
+            <a:off x="381000" y="685800"/>
+            <a:ext cx="6096000" cy="3429000"/>
+          </a:xfrm>
+        </p:spPr>
+      </p:sp>
+      <p:sp>
+        <p:nvSpPr>
+          <p:cNvPr id="3" name="Espaço Reservado para Anotações 2"/>
+          <p:cNvSpPr>
+            <a:spLocks noGrp="1"/>
+          </p:cNvSpPr>
+          <p:nvPr>
+            <p:ph type="body" idx="1"/>
+          </p:nvPr>
+        </p:nvSpPr>
+        <p:spPr/>
+        <p:txBody>
+          <a:bodyPr/>
+          <a:lstStyle/>
+          <a:p>
+            <a:endParaRPr lang="pt-BR" dirty="0"/>
+          </a:p>
+        </p:txBody>
+      </p:sp>
+    </p:spTree>
+    <p:extLst>
+      <p:ext uri="{BB962C8B-B14F-4D97-AF65-F5344CB8AC3E}">
         <p14:creationId xmlns:p14="http://schemas.microsoft.com/office/powerpoint/2010/main" val="2709569597"/>
       </p:ext>
     </p:extLst>
@@ -1703,7 +1788,7 @@
 </p:notes>
 </file>
 
-<file path=ppt/notesSlides/notesSlide23.xml><?xml version="1.0" encoding="utf-8"?>
+<file path=ppt/notesSlides/notesSlide24.xml><?xml version="1.0" encoding="utf-8"?>
 <p:notes xmlns:a="http://schemas.openxmlformats.org/drawingml/2006/main" xmlns:r="http://schemas.openxmlformats.org/officeDocument/2006/relationships" xmlns:p="http://schemas.openxmlformats.org/presentationml/2006/main">
   <p:cSld>
     <p:spTree>
@@ -1787,7 +1872,7 @@
 </p:notes>
 </file>
 
-<file path=ppt/notesSlides/notesSlide24.xml><?xml version="1.0" encoding="utf-8"?>
+<file path=ppt/notesSlides/notesSlide25.xml><?xml version="1.0" encoding="utf-8"?>
 <p:notes xmlns:a="http://schemas.openxmlformats.org/drawingml/2006/main" xmlns:r="http://schemas.openxmlformats.org/officeDocument/2006/relationships" xmlns:p="http://schemas.openxmlformats.org/presentationml/2006/main">
   <p:cSld>
     <p:spTree>
@@ -1871,7 +1956,7 @@
 </p:notes>
 </file>
 
-<file path=ppt/notesSlides/notesSlide25.xml><?xml version="1.0" encoding="utf-8"?>
+<file path=ppt/notesSlides/notesSlide26.xml><?xml version="1.0" encoding="utf-8"?>
 <p:notes xmlns:a="http://schemas.openxmlformats.org/drawingml/2006/main" xmlns:r="http://schemas.openxmlformats.org/officeDocument/2006/relationships" xmlns:p="http://schemas.openxmlformats.org/presentationml/2006/main">
   <p:cSld>
     <p:spTree>
@@ -5934,6 +6019,266 @@
         <p:cNvPr id="1" name="">
           <a:extLst>
             <a:ext uri="{FF2B5EF4-FFF2-40B4-BE49-F238E27FC236}">
+              <a16:creationId xmlns:a16="http://schemas.microsoft.com/office/drawing/2014/main" id="{FED6F9AC-ED67-5551-D081-1EDFB7C0632C}"/>
+            </a:ext>
+          </a:extLst>
+        </p:cNvPr>
+        <p:cNvGrpSpPr/>
+        <p:nvPr/>
+      </p:nvGrpSpPr>
+      <p:grpSpPr>
+        <a:xfrm>
+          <a:off x="0" y="0"/>
+          <a:ext cx="0" cy="0"/>
+          <a:chOff x="0" y="0"/>
+          <a:chExt cx="0" cy="0"/>
+        </a:xfrm>
+      </p:grpSpPr>
+      <p:sp>
+        <p:nvSpPr>
+          <p:cNvPr id="6" name="Title 1">
+            <a:extLst>
+              <a:ext uri="{FF2B5EF4-FFF2-40B4-BE49-F238E27FC236}">
+                <a16:creationId xmlns:a16="http://schemas.microsoft.com/office/drawing/2014/main" id="{5B94DE55-1AF6-48EF-61AE-1FA773CD98A3}"/>
+              </a:ext>
+            </a:extLst>
+          </p:cNvPr>
+          <p:cNvSpPr>
+            <a:spLocks noGrp="1"/>
+          </p:cNvSpPr>
+          <p:nvPr>
+            <p:ph type="title"/>
+          </p:nvPr>
+        </p:nvSpPr>
+        <p:spPr>
+          <a:xfrm>
+            <a:off x="457200" y="205980"/>
+            <a:ext cx="8229600" cy="857251"/>
+          </a:xfrm>
+        </p:spPr>
+        <p:txBody>
+          <a:bodyPr>
+            <a:normAutofit/>
+          </a:bodyPr>
+          <a:lstStyle/>
+          <a:p>
+            <a:r>
+              <a:rPr lang="en-US" b="1" dirty="0" err="1">
+                <a:solidFill>
+                  <a:srgbClr val="0070C0"/>
+                </a:solidFill>
+              </a:rPr>
+              <a:t>Aplicações</a:t>
+            </a:r>
+            <a:r>
+              <a:rPr lang="en-US" b="1" dirty="0">
+                <a:solidFill>
+                  <a:srgbClr val="0070C0"/>
+                </a:solidFill>
+              </a:rPr>
+              <a:t> CLP</a:t>
+            </a:r>
+          </a:p>
+        </p:txBody>
+      </p:sp>
+      <p:sp>
+        <p:nvSpPr>
+          <p:cNvPr id="8" name="Text Placeholder 2">
+            <a:extLst>
+              <a:ext uri="{FF2B5EF4-FFF2-40B4-BE49-F238E27FC236}">
+                <a16:creationId xmlns:a16="http://schemas.microsoft.com/office/drawing/2014/main" id="{436314EA-19DF-23A7-3E1E-3A1239C8B744}"/>
+              </a:ext>
+            </a:extLst>
+          </p:cNvPr>
+          <p:cNvSpPr>
+            <a:spLocks noGrp="1"/>
+          </p:cNvSpPr>
+          <p:nvPr>
+            <p:ph type="body" sz="half" idx="1"/>
+          </p:nvPr>
+        </p:nvSpPr>
+        <p:spPr>
+          <a:xfrm>
+            <a:off x="142865" y="1035050"/>
+            <a:ext cx="8865056" cy="3994150"/>
+          </a:xfrm>
+        </p:spPr>
+        <p:txBody>
+          <a:bodyPr>
+            <a:noAutofit/>
+          </a:bodyPr>
+          <a:lstStyle/>
+          <a:p>
+            <a:pPr marL="0" indent="0" algn="just">
+              <a:buNone/>
+            </a:pPr>
+            <a:r>
+              <a:rPr lang="pt-BR" sz="2000" b="1" dirty="0">
+                <a:latin typeface="Times New Roman" panose="02020603050405020304" pitchFamily="18" charset="0"/>
+                <a:cs typeface="Times New Roman" panose="02020603050405020304" pitchFamily="18" charset="0"/>
+              </a:rPr>
+              <a:t>Definição</a:t>
+            </a:r>
+            <a:r>
+              <a:rPr lang="pt-BR" sz="2000" dirty="0">
+                <a:latin typeface="Times New Roman" panose="02020603050405020304" pitchFamily="18" charset="0"/>
+                <a:cs typeface="Times New Roman" panose="02020603050405020304" pitchFamily="18" charset="0"/>
+              </a:rPr>
+              <a:t>: O </a:t>
+            </a:r>
+            <a:r>
+              <a:rPr lang="pt-BR" sz="2000" b="1" dirty="0">
+                <a:solidFill>
+                  <a:srgbClr val="0070C0"/>
+                </a:solidFill>
+                <a:latin typeface="Times New Roman" panose="02020603050405020304" pitchFamily="18" charset="0"/>
+                <a:cs typeface="Times New Roman" panose="02020603050405020304" pitchFamily="18" charset="0"/>
+              </a:rPr>
+              <a:t>CLP</a:t>
+            </a:r>
+            <a:r>
+              <a:rPr lang="pt-BR" sz="2000" dirty="0">
+                <a:latin typeface="Times New Roman" panose="02020603050405020304" pitchFamily="18" charset="0"/>
+                <a:cs typeface="Times New Roman" panose="02020603050405020304" pitchFamily="18" charset="0"/>
+              </a:rPr>
+              <a:t> é um dispositivo eletrônico usado para controlar e automatizar processos industriais, substituindo sistemas tradicionais com relés.</a:t>
+            </a:r>
+          </a:p>
+          <a:p>
+            <a:pPr marL="0" indent="0" algn="just">
+              <a:buNone/>
+            </a:pPr>
+            <a:endParaRPr lang="pt-BR" sz="2000" dirty="0">
+              <a:latin typeface="Times New Roman" panose="02020603050405020304" pitchFamily="18" charset="0"/>
+              <a:cs typeface="Times New Roman" panose="02020603050405020304" pitchFamily="18" charset="0"/>
+            </a:endParaRPr>
+          </a:p>
+          <a:p>
+            <a:pPr marL="0" indent="0" algn="just">
+              <a:buNone/>
+            </a:pPr>
+            <a:r>
+              <a:rPr lang="pt-BR" sz="2000" b="1" dirty="0">
+                <a:latin typeface="Times New Roman" panose="02020603050405020304" pitchFamily="18" charset="0"/>
+                <a:cs typeface="Times New Roman" panose="02020603050405020304" pitchFamily="18" charset="0"/>
+              </a:rPr>
+              <a:t>Componentes principais</a:t>
+            </a:r>
+            <a:r>
+              <a:rPr lang="pt-BR" sz="2000" dirty="0">
+                <a:latin typeface="Times New Roman" panose="02020603050405020304" pitchFamily="18" charset="0"/>
+                <a:cs typeface="Times New Roman" panose="02020603050405020304" pitchFamily="18" charset="0"/>
+              </a:rPr>
+              <a:t>:</a:t>
+            </a:r>
+          </a:p>
+          <a:p>
+            <a:pPr marL="0" indent="0" algn="just">
+              <a:buNone/>
+            </a:pPr>
+            <a:endParaRPr lang="pt-BR" sz="2000" dirty="0">
+              <a:latin typeface="Times New Roman" panose="02020603050405020304" pitchFamily="18" charset="0"/>
+              <a:cs typeface="Times New Roman" panose="02020603050405020304" pitchFamily="18" charset="0"/>
+            </a:endParaRPr>
+          </a:p>
+          <a:p>
+            <a:pPr algn="just"/>
+            <a:r>
+              <a:rPr lang="pt-BR" sz="2000" b="1" dirty="0">
+                <a:solidFill>
+                  <a:srgbClr val="FF0000"/>
+                </a:solidFill>
+                <a:latin typeface="Times New Roman" panose="02020603050405020304" pitchFamily="18" charset="0"/>
+                <a:cs typeface="Times New Roman" panose="02020603050405020304" pitchFamily="18" charset="0"/>
+              </a:rPr>
+              <a:t>CPU</a:t>
+            </a:r>
+            <a:r>
+              <a:rPr lang="pt-BR" sz="2000" dirty="0">
+                <a:latin typeface="Times New Roman" panose="02020603050405020304" pitchFamily="18" charset="0"/>
+                <a:cs typeface="Times New Roman" panose="02020603050405020304" pitchFamily="18" charset="0"/>
+              </a:rPr>
+              <a:t> (Unidade Central de Processamento): Responsável pela execução dos programas.</a:t>
+            </a:r>
+          </a:p>
+          <a:p>
+            <a:pPr algn="just"/>
+            <a:r>
+              <a:rPr lang="pt-BR" sz="2000" b="1" dirty="0">
+                <a:solidFill>
+                  <a:srgbClr val="FF0000"/>
+                </a:solidFill>
+                <a:latin typeface="Times New Roman" panose="02020603050405020304" pitchFamily="18" charset="0"/>
+                <a:cs typeface="Times New Roman" panose="02020603050405020304" pitchFamily="18" charset="0"/>
+              </a:rPr>
+              <a:t>Entradas e Saídas</a:t>
+            </a:r>
+            <a:r>
+              <a:rPr lang="pt-BR" sz="2000" dirty="0">
+                <a:latin typeface="Times New Roman" panose="02020603050405020304" pitchFamily="18" charset="0"/>
+                <a:cs typeface="Times New Roman" panose="02020603050405020304" pitchFamily="18" charset="0"/>
+              </a:rPr>
+              <a:t>: Responsáveis pela comunicação com sensores e atuadores.</a:t>
+            </a:r>
+          </a:p>
+          <a:p>
+            <a:pPr algn="just"/>
+            <a:r>
+              <a:rPr lang="pt-BR" sz="2000" b="1" dirty="0">
+                <a:solidFill>
+                  <a:srgbClr val="FF0000"/>
+                </a:solidFill>
+                <a:latin typeface="Times New Roman" panose="02020603050405020304" pitchFamily="18" charset="0"/>
+                <a:cs typeface="Times New Roman" panose="02020603050405020304" pitchFamily="18" charset="0"/>
+              </a:rPr>
+              <a:t>Módulos de comunicação</a:t>
+            </a:r>
+            <a:r>
+              <a:rPr lang="pt-BR" sz="2000" dirty="0">
+                <a:latin typeface="Times New Roman" panose="02020603050405020304" pitchFamily="18" charset="0"/>
+                <a:cs typeface="Times New Roman" panose="02020603050405020304" pitchFamily="18" charset="0"/>
+              </a:rPr>
+              <a:t>: Permitem que o </a:t>
+            </a:r>
+            <a:r>
+              <a:rPr lang="pt-BR" sz="2000" b="1" dirty="0">
+                <a:latin typeface="Times New Roman" panose="02020603050405020304" pitchFamily="18" charset="0"/>
+                <a:cs typeface="Times New Roman" panose="02020603050405020304" pitchFamily="18" charset="0"/>
+              </a:rPr>
+              <a:t>CLP</a:t>
+            </a:r>
+            <a:r>
+              <a:rPr lang="pt-BR" sz="2000" dirty="0">
+                <a:latin typeface="Times New Roman" panose="02020603050405020304" pitchFamily="18" charset="0"/>
+                <a:cs typeface="Times New Roman" panose="02020603050405020304" pitchFamily="18" charset="0"/>
+              </a:rPr>
+              <a:t> se conecte a outros sistemas ou dispositivos.</a:t>
+            </a:r>
+          </a:p>
+        </p:txBody>
+      </p:sp>
+    </p:spTree>
+    <p:extLst>
+      <p:ext uri="{BB962C8B-B14F-4D97-AF65-F5344CB8AC3E}">
+        <p14:creationId xmlns:p14="http://schemas.microsoft.com/office/powerpoint/2010/main" val="2789172751"/>
+      </p:ext>
+    </p:extLst>
+  </p:cSld>
+  <p:clrMapOvr>
+    <a:masterClrMapping/>
+  </p:clrMapOvr>
+  <p:transition spd="med"/>
+</p:sld>
+</file>
+
+<file path=ppt/slides/slide13.xml><?xml version="1.0" encoding="utf-8"?>
+<p:sld xmlns:a="http://schemas.openxmlformats.org/drawingml/2006/main" xmlns:r="http://schemas.openxmlformats.org/officeDocument/2006/relationships" xmlns:p="http://schemas.openxmlformats.org/presentationml/2006/main">
+  <p:cSld>
+    <p:spTree>
+      <p:nvGrpSpPr>
+        <p:cNvPr id="1" name="">
+          <a:extLst>
+            <a:ext uri="{FF2B5EF4-FFF2-40B4-BE49-F238E27FC236}">
               <a16:creationId xmlns:a16="http://schemas.microsoft.com/office/drawing/2014/main" id="{4A5AA6E4-4640-D215-2283-AD0890E74E41}"/>
             </a:ext>
           </a:extLst>
@@ -5978,20 +6323,12 @@
           <a:lstStyle/>
           <a:p>
             <a:r>
-              <a:rPr lang="en-US" b="1" dirty="0" err="1">
+              <a:rPr lang="en-US" b="1" dirty="0">
                 <a:solidFill>
                   <a:srgbClr val="0070C0"/>
                 </a:solidFill>
               </a:rPr>
-              <a:t>Aplicações</a:t>
-            </a:r>
-            <a:r>
-              <a:rPr lang="en-US" b="1" dirty="0">
-                <a:solidFill>
-                  <a:srgbClr val="0070C0"/>
-                </a:solidFill>
-              </a:rPr>
-              <a:t> CLP</a:t>
+              <a:t>CLP</a:t>
             </a:r>
           </a:p>
         </p:txBody>
@@ -6032,146 +6369,47 @@
                 <a:latin typeface="Times New Roman" panose="02020603050405020304" pitchFamily="18" charset="0"/>
                 <a:cs typeface="Times New Roman" panose="02020603050405020304" pitchFamily="18" charset="0"/>
               </a:rPr>
-              <a:t>Definição</a:t>
-            </a:r>
-            <a:r>
-              <a:rPr lang="pt-BR" sz="2000" dirty="0">
-                <a:latin typeface="Times New Roman" panose="02020603050405020304" pitchFamily="18" charset="0"/>
-                <a:cs typeface="Times New Roman" panose="02020603050405020304" pitchFamily="18" charset="0"/>
-              </a:rPr>
-              <a:t>: O </a:t>
-            </a:r>
-            <a:r>
-              <a:rPr lang="pt-BR" sz="2000" b="1" dirty="0">
-                <a:solidFill>
-                  <a:srgbClr val="0070C0"/>
-                </a:solidFill>
-                <a:latin typeface="Times New Roman" panose="02020603050405020304" pitchFamily="18" charset="0"/>
-                <a:cs typeface="Times New Roman" panose="02020603050405020304" pitchFamily="18" charset="0"/>
-              </a:rPr>
-              <a:t>CLP</a:t>
-            </a:r>
-            <a:r>
-              <a:rPr lang="pt-BR" sz="2000" dirty="0">
-                <a:latin typeface="Times New Roman" panose="02020603050405020304" pitchFamily="18" charset="0"/>
-                <a:cs typeface="Times New Roman" panose="02020603050405020304" pitchFamily="18" charset="0"/>
-              </a:rPr>
-              <a:t> é um dispositivo eletrônico usado para controlar e automatizar processos industriais, substituindo sistemas tradicionais com relés.</a:t>
-            </a:r>
-          </a:p>
-          <a:p>
-            <a:pPr marL="0" indent="0" algn="just">
-              <a:buNone/>
-            </a:pPr>
-            <a:endParaRPr lang="pt-BR" sz="2000" dirty="0">
-              <a:latin typeface="Times New Roman" panose="02020603050405020304" pitchFamily="18" charset="0"/>
-              <a:cs typeface="Times New Roman" panose="02020603050405020304" pitchFamily="18" charset="0"/>
-            </a:endParaRPr>
-          </a:p>
-          <a:p>
-            <a:pPr marL="0" indent="0" algn="just">
-              <a:buNone/>
-            </a:pPr>
-            <a:r>
-              <a:rPr lang="pt-BR" sz="2000" b="1" dirty="0">
-                <a:latin typeface="Times New Roman" panose="02020603050405020304" pitchFamily="18" charset="0"/>
-                <a:cs typeface="Times New Roman" panose="02020603050405020304" pitchFamily="18" charset="0"/>
-              </a:rPr>
-              <a:t>Componentes principais</a:t>
-            </a:r>
-            <a:r>
-              <a:rPr lang="pt-BR" sz="2000" dirty="0">
-                <a:latin typeface="Times New Roman" panose="02020603050405020304" pitchFamily="18" charset="0"/>
-                <a:cs typeface="Times New Roman" panose="02020603050405020304" pitchFamily="18" charset="0"/>
-              </a:rPr>
-              <a:t>:</a:t>
-            </a:r>
-          </a:p>
-          <a:p>
-            <a:pPr marL="0" indent="0" algn="just">
-              <a:buNone/>
-            </a:pPr>
-            <a:endParaRPr lang="pt-BR" sz="2000" dirty="0">
-              <a:latin typeface="Times New Roman" panose="02020603050405020304" pitchFamily="18" charset="0"/>
-              <a:cs typeface="Times New Roman" panose="02020603050405020304" pitchFamily="18" charset="0"/>
-            </a:endParaRPr>
-          </a:p>
-          <a:p>
-            <a:pPr algn="just"/>
-            <a:r>
-              <a:rPr lang="pt-BR" sz="2000" b="1" dirty="0">
-                <a:solidFill>
-                  <a:srgbClr val="FF0000"/>
-                </a:solidFill>
-                <a:latin typeface="Times New Roman" panose="02020603050405020304" pitchFamily="18" charset="0"/>
-                <a:cs typeface="Times New Roman" panose="02020603050405020304" pitchFamily="18" charset="0"/>
-              </a:rPr>
-              <a:t>CPU</a:t>
-            </a:r>
-            <a:r>
-              <a:rPr lang="pt-BR" sz="2000" dirty="0">
-                <a:latin typeface="Times New Roman" panose="02020603050405020304" pitchFamily="18" charset="0"/>
-                <a:cs typeface="Times New Roman" panose="02020603050405020304" pitchFamily="18" charset="0"/>
-              </a:rPr>
-              <a:t> (Unidade Central de Processamento): Responsável pela execução dos programas.</a:t>
-            </a:r>
-          </a:p>
-          <a:p>
-            <a:pPr algn="just"/>
-            <a:r>
-              <a:rPr lang="pt-BR" sz="2000" b="1" dirty="0">
-                <a:solidFill>
-                  <a:srgbClr val="FF0000"/>
-                </a:solidFill>
-                <a:latin typeface="Times New Roman" panose="02020603050405020304" pitchFamily="18" charset="0"/>
-                <a:cs typeface="Times New Roman" panose="02020603050405020304" pitchFamily="18" charset="0"/>
-              </a:rPr>
-              <a:t>Entradas e Saídas</a:t>
-            </a:r>
-            <a:r>
-              <a:rPr lang="pt-BR" sz="2000" dirty="0">
-                <a:latin typeface="Times New Roman" panose="02020603050405020304" pitchFamily="18" charset="0"/>
-                <a:cs typeface="Times New Roman" panose="02020603050405020304" pitchFamily="18" charset="0"/>
-              </a:rPr>
-              <a:t>: Responsáveis pela comunicação com sensores e atuadores.</a:t>
-            </a:r>
-          </a:p>
-          <a:p>
-            <a:pPr algn="just"/>
-            <a:r>
-              <a:rPr lang="pt-BR" sz="2000" b="1" dirty="0">
-                <a:solidFill>
-                  <a:srgbClr val="FF0000"/>
-                </a:solidFill>
-                <a:latin typeface="Times New Roman" panose="02020603050405020304" pitchFamily="18" charset="0"/>
-                <a:cs typeface="Times New Roman" panose="02020603050405020304" pitchFamily="18" charset="0"/>
-              </a:rPr>
-              <a:t>Módulos de comunicação</a:t>
-            </a:r>
-            <a:r>
-              <a:rPr lang="pt-BR" sz="2000" dirty="0">
-                <a:latin typeface="Times New Roman" panose="02020603050405020304" pitchFamily="18" charset="0"/>
-                <a:cs typeface="Times New Roman" panose="02020603050405020304" pitchFamily="18" charset="0"/>
-              </a:rPr>
-              <a:t>: Permitem que o </a:t>
-            </a:r>
-            <a:r>
-              <a:rPr lang="pt-BR" sz="2000" b="1" dirty="0">
-                <a:latin typeface="Times New Roman" panose="02020603050405020304" pitchFamily="18" charset="0"/>
-                <a:cs typeface="Times New Roman" panose="02020603050405020304" pitchFamily="18" charset="0"/>
-              </a:rPr>
-              <a:t>CLP</a:t>
-            </a:r>
-            <a:r>
-              <a:rPr lang="pt-BR" sz="2000" dirty="0">
-                <a:latin typeface="Times New Roman" panose="02020603050405020304" pitchFamily="18" charset="0"/>
-                <a:cs typeface="Times New Roman" panose="02020603050405020304" pitchFamily="18" charset="0"/>
-              </a:rPr>
-              <a:t> se conecte a outros sistemas ou dispositivos.</a:t>
+              <a:t>  </a:t>
             </a:r>
           </a:p>
         </p:txBody>
       </p:sp>
+      <p:pic>
+        <p:nvPicPr>
+          <p:cNvPr id="5" name="Imagem 4" descr="Interface gráfica do usuário&#10;&#10;O conteúdo gerado por IA pode estar incorreto.">
+            <a:extLst>
+              <a:ext uri="{FF2B5EF4-FFF2-40B4-BE49-F238E27FC236}">
+                <a16:creationId xmlns:a16="http://schemas.microsoft.com/office/drawing/2014/main" id="{33576B5D-E21B-7586-0BA6-28EDC2BD7FB2}"/>
+              </a:ext>
+            </a:extLst>
+          </p:cNvPr>
+          <p:cNvPicPr>
+            <a:picLocks noChangeAspect="1"/>
+          </p:cNvPicPr>
+          <p:nvPr/>
+        </p:nvPicPr>
+        <p:blipFill>
+          <a:blip r:embed="rId3">
+            <a:extLst>
+              <a:ext uri="{28A0092B-C50C-407E-A947-70E740481C1C}">
+                <a14:useLocalDpi xmlns:a14="http://schemas.microsoft.com/office/drawing/2010/main" val="0"/>
+              </a:ext>
+            </a:extLst>
+          </a:blip>
+          <a:stretch>
+            <a:fillRect/>
+          </a:stretch>
+        </p:blipFill>
+        <p:spPr>
+          <a:xfrm>
+            <a:off x="1508599" y="1071496"/>
+            <a:ext cx="5161140" cy="3928060"/>
+          </a:xfrm>
+          <a:prstGeom prst="rect">
+            <a:avLst/>
+          </a:prstGeom>
+        </p:spPr>
+      </p:pic>
     </p:spTree>
     <p:extLst>
       <p:ext uri="{BB962C8B-B14F-4D97-AF65-F5344CB8AC3E}">
@@ -6186,7 +6424,7 @@
 </p:sld>
 </file>
 
-<file path=ppt/slides/slide13.xml><?xml version="1.0" encoding="utf-8"?>
+<file path=ppt/slides/slide14.xml><?xml version="1.0" encoding="utf-8"?>
 <p:sld xmlns:a="http://schemas.openxmlformats.org/drawingml/2006/main" xmlns:r="http://schemas.openxmlformats.org/officeDocument/2006/relationships" xmlns:p="http://schemas.openxmlformats.org/presentationml/2006/main">
   <p:cSld>
     <p:spTree>
@@ -6243,7 +6481,23 @@
                   <a:srgbClr val="0070C0"/>
                 </a:solidFill>
               </a:rPr>
-              <a:t>Aplicações</a:t>
+              <a:t>Exemplo</a:t>
+            </a:r>
+            <a:r>
+              <a:rPr lang="en-US" b="1" dirty="0">
+                <a:solidFill>
+                  <a:srgbClr val="0070C0"/>
+                </a:solidFill>
+              </a:rPr>
+              <a:t> de </a:t>
+            </a:r>
+            <a:r>
+              <a:rPr lang="en-US" b="1" dirty="0" err="1">
+                <a:solidFill>
+                  <a:srgbClr val="0070C0"/>
+                </a:solidFill>
+              </a:rPr>
+              <a:t>Aplicação</a:t>
             </a:r>
             <a:r>
               <a:rPr lang="en-US" b="1" dirty="0">
@@ -6349,7 +6603,7 @@
 </p:sld>
 </file>
 
-<file path=ppt/slides/slide14.xml><?xml version="1.0" encoding="utf-8"?>
+<file path=ppt/slides/slide15.xml><?xml version="1.0" encoding="utf-8"?>
 <p:sld xmlns:a="http://schemas.openxmlformats.org/drawingml/2006/main" xmlns:r="http://schemas.openxmlformats.org/officeDocument/2006/relationships" xmlns:p="http://schemas.openxmlformats.org/presentationml/2006/main">
   <p:cSld>
     <p:spTree>
@@ -6634,7 +6888,7 @@
 </p:sld>
 </file>
 
-<file path=ppt/slides/slide15.xml><?xml version="1.0" encoding="utf-8"?>
+<file path=ppt/slides/slide16.xml><?xml version="1.0" encoding="utf-8"?>
 <p:sld xmlns:a="http://schemas.openxmlformats.org/drawingml/2006/main" xmlns:r="http://schemas.openxmlformats.org/officeDocument/2006/relationships" xmlns:p="http://schemas.openxmlformats.org/presentationml/2006/main">
   <p:cSld>
     <p:spTree>
@@ -7009,7 +7263,7 @@
 </p:sld>
 </file>
 
-<file path=ppt/slides/slide16.xml><?xml version="1.0" encoding="utf-8"?>
+<file path=ppt/slides/slide17.xml><?xml version="1.0" encoding="utf-8"?>
 <p:sld xmlns:a="http://schemas.openxmlformats.org/drawingml/2006/main" xmlns:r="http://schemas.openxmlformats.org/officeDocument/2006/relationships" xmlns:p="http://schemas.openxmlformats.org/presentationml/2006/main">
   <p:cSld>
     <p:spTree>
@@ -7262,7 +7516,7 @@
 </p:sld>
 </file>
 
-<file path=ppt/slides/slide17.xml><?xml version="1.0" encoding="utf-8"?>
+<file path=ppt/slides/slide18.xml><?xml version="1.0" encoding="utf-8"?>
 <p:sld xmlns:a="http://schemas.openxmlformats.org/drawingml/2006/main" xmlns:r="http://schemas.openxmlformats.org/officeDocument/2006/relationships" xmlns:p="http://schemas.openxmlformats.org/presentationml/2006/main">
   <p:cSld>
     <p:spTree>
@@ -7485,7 +7739,7 @@
 </p:sld>
 </file>
 
-<file path=ppt/slides/slide18.xml><?xml version="1.0" encoding="utf-8"?>
+<file path=ppt/slides/slide19.xml><?xml version="1.0" encoding="utf-8"?>
 <p:sld xmlns:a="http://schemas.openxmlformats.org/drawingml/2006/main" xmlns:r="http://schemas.openxmlformats.org/officeDocument/2006/relationships" xmlns:p="http://schemas.openxmlformats.org/presentationml/2006/main">
   <p:cSld>
     <p:spTree>
@@ -7782,296 +8036,6 @@
     <p:extLst>
       <p:ext uri="{BB962C8B-B14F-4D97-AF65-F5344CB8AC3E}">
         <p14:creationId xmlns:p14="http://schemas.microsoft.com/office/powerpoint/2010/main" val="2561567450"/>
-      </p:ext>
-    </p:extLst>
-  </p:cSld>
-  <p:clrMapOvr>
-    <a:masterClrMapping/>
-  </p:clrMapOvr>
-  <p:transition spd="med"/>
-</p:sld>
-</file>
-
-<file path=ppt/slides/slide19.xml><?xml version="1.0" encoding="utf-8"?>
-<p:sld xmlns:a="http://schemas.openxmlformats.org/drawingml/2006/main" xmlns:r="http://schemas.openxmlformats.org/officeDocument/2006/relationships" xmlns:p="http://schemas.openxmlformats.org/presentationml/2006/main">
-  <p:cSld>
-    <p:spTree>
-      <p:nvGrpSpPr>
-        <p:cNvPr id="1" name="">
-          <a:extLst>
-            <a:ext uri="{FF2B5EF4-FFF2-40B4-BE49-F238E27FC236}">
-              <a16:creationId xmlns:a16="http://schemas.microsoft.com/office/drawing/2014/main" id="{2B612DA4-0F92-8115-1B32-65F2C9A32FBE}"/>
-            </a:ext>
-          </a:extLst>
-        </p:cNvPr>
-        <p:cNvGrpSpPr/>
-        <p:nvPr/>
-      </p:nvGrpSpPr>
-      <p:grpSpPr>
-        <a:xfrm>
-          <a:off x="0" y="0"/>
-          <a:ext cx="0" cy="0"/>
-          <a:chOff x="0" y="0"/>
-          <a:chExt cx="0" cy="0"/>
-        </a:xfrm>
-      </p:grpSpPr>
-      <p:sp>
-        <p:nvSpPr>
-          <p:cNvPr id="6" name="Title 1">
-            <a:extLst>
-              <a:ext uri="{FF2B5EF4-FFF2-40B4-BE49-F238E27FC236}">
-                <a16:creationId xmlns:a16="http://schemas.microsoft.com/office/drawing/2014/main" id="{C4FFF106-D06E-0243-8FC0-13C59FD0A890}"/>
-              </a:ext>
-            </a:extLst>
-          </p:cNvPr>
-          <p:cNvSpPr>
-            <a:spLocks noGrp="1"/>
-          </p:cNvSpPr>
-          <p:nvPr>
-            <p:ph type="title"/>
-          </p:nvPr>
-        </p:nvSpPr>
-        <p:spPr>
-          <a:xfrm>
-            <a:off x="457200" y="205980"/>
-            <a:ext cx="8229600" cy="857251"/>
-          </a:xfrm>
-        </p:spPr>
-        <p:txBody>
-          <a:bodyPr>
-            <a:normAutofit/>
-          </a:bodyPr>
-          <a:lstStyle/>
-          <a:p>
-            <a:r>
-              <a:rPr lang="en-US" b="1" dirty="0" err="1">
-                <a:solidFill>
-                  <a:srgbClr val="0070C0"/>
-                </a:solidFill>
-              </a:rPr>
-              <a:t>Sensores</a:t>
-            </a:r>
-            <a:r>
-              <a:rPr lang="en-US" b="1" dirty="0">
-                <a:solidFill>
-                  <a:srgbClr val="0070C0"/>
-                </a:solidFill>
-              </a:rPr>
-              <a:t> e </a:t>
-            </a:r>
-            <a:r>
-              <a:rPr lang="en-US" b="1" dirty="0" err="1">
-                <a:solidFill>
-                  <a:srgbClr val="0070C0"/>
-                </a:solidFill>
-              </a:rPr>
-              <a:t>Atuadores</a:t>
-            </a:r>
-            <a:endParaRPr lang="en-US" b="1" dirty="0">
-              <a:solidFill>
-                <a:srgbClr val="0070C0"/>
-              </a:solidFill>
-            </a:endParaRPr>
-          </a:p>
-        </p:txBody>
-      </p:sp>
-      <p:sp>
-        <p:nvSpPr>
-          <p:cNvPr id="8" name="Text Placeholder 2">
-            <a:extLst>
-              <a:ext uri="{FF2B5EF4-FFF2-40B4-BE49-F238E27FC236}">
-                <a16:creationId xmlns:a16="http://schemas.microsoft.com/office/drawing/2014/main" id="{25EE1022-1F0C-9564-22E4-7F6E98E6F6CF}"/>
-              </a:ext>
-            </a:extLst>
-          </p:cNvPr>
-          <p:cNvSpPr>
-            <a:spLocks noGrp="1"/>
-          </p:cNvSpPr>
-          <p:nvPr>
-            <p:ph type="body" sz="half" idx="1"/>
-          </p:nvPr>
-        </p:nvSpPr>
-        <p:spPr>
-          <a:xfrm>
-            <a:off x="142865" y="1035050"/>
-            <a:ext cx="8865056" cy="3994150"/>
-          </a:xfrm>
-        </p:spPr>
-        <p:txBody>
-          <a:bodyPr>
-            <a:noAutofit/>
-          </a:bodyPr>
-          <a:lstStyle/>
-          <a:p>
-            <a:pPr algn="just">
-              <a:buFont typeface="Wingdings" panose="05000000000000000000" pitchFamily="2" charset="2"/>
-              <a:buChar char="Ø"/>
-            </a:pPr>
-            <a:r>
-              <a:rPr lang="pt-BR" sz="2200" b="1" dirty="0">
-                <a:solidFill>
-                  <a:srgbClr val="FF0000"/>
-                </a:solidFill>
-                <a:latin typeface="Times New Roman" panose="02020603050405020304" pitchFamily="18" charset="0"/>
-                <a:cs typeface="Times New Roman" panose="02020603050405020304" pitchFamily="18" charset="0"/>
-              </a:rPr>
-              <a:t>Integração com o CLP</a:t>
-            </a:r>
-            <a:r>
-              <a:rPr lang="pt-BR" sz="2200" dirty="0">
-                <a:latin typeface="Times New Roman" panose="02020603050405020304" pitchFamily="18" charset="0"/>
-                <a:cs typeface="Times New Roman" panose="02020603050405020304" pitchFamily="18" charset="0"/>
-              </a:rPr>
-              <a:t>:</a:t>
-            </a:r>
-          </a:p>
-          <a:p>
-            <a:pPr marL="0" indent="0" algn="just">
-              <a:buNone/>
-            </a:pPr>
-            <a:endParaRPr lang="pt-BR" sz="2200" dirty="0">
-              <a:latin typeface="Times New Roman" panose="02020603050405020304" pitchFamily="18" charset="0"/>
-              <a:cs typeface="Times New Roman" panose="02020603050405020304" pitchFamily="18" charset="0"/>
-            </a:endParaRPr>
-          </a:p>
-          <a:p>
-            <a:pPr marL="0" indent="0" algn="just">
-              <a:buNone/>
-            </a:pPr>
-            <a:r>
-              <a:rPr lang="pt-BR" sz="2200" dirty="0">
-                <a:latin typeface="Times New Roman" panose="02020603050405020304" pitchFamily="18" charset="0"/>
-                <a:cs typeface="Times New Roman" panose="02020603050405020304" pitchFamily="18" charset="0"/>
-              </a:rPr>
-              <a:t>O </a:t>
-            </a:r>
-            <a:r>
-              <a:rPr lang="pt-BR" sz="2200" b="1" dirty="0">
-                <a:solidFill>
-                  <a:schemeClr val="tx1"/>
-                </a:solidFill>
-                <a:latin typeface="Times New Roman" panose="02020603050405020304" pitchFamily="18" charset="0"/>
-                <a:cs typeface="Times New Roman" panose="02020603050405020304" pitchFamily="18" charset="0"/>
-              </a:rPr>
-              <a:t>CLP</a:t>
-            </a:r>
-            <a:r>
-              <a:rPr lang="pt-BR" sz="2200" dirty="0">
-                <a:latin typeface="Times New Roman" panose="02020603050405020304" pitchFamily="18" charset="0"/>
-                <a:cs typeface="Times New Roman" panose="02020603050405020304" pitchFamily="18" charset="0"/>
-              </a:rPr>
-              <a:t> </a:t>
-            </a:r>
-            <a:r>
-              <a:rPr lang="pt-BR" sz="2200" b="1" dirty="0">
-                <a:solidFill>
-                  <a:srgbClr val="0070C0"/>
-                </a:solidFill>
-                <a:latin typeface="Times New Roman" panose="02020603050405020304" pitchFamily="18" charset="0"/>
-                <a:cs typeface="Times New Roman" panose="02020603050405020304" pitchFamily="18" charset="0"/>
-              </a:rPr>
-              <a:t>recebe</a:t>
-            </a:r>
-            <a:r>
-              <a:rPr lang="pt-BR" sz="2200" dirty="0">
-                <a:solidFill>
-                  <a:srgbClr val="0070C0"/>
-                </a:solidFill>
-                <a:latin typeface="Times New Roman" panose="02020603050405020304" pitchFamily="18" charset="0"/>
-                <a:cs typeface="Times New Roman" panose="02020603050405020304" pitchFamily="18" charset="0"/>
-              </a:rPr>
-              <a:t> </a:t>
-            </a:r>
-            <a:r>
-              <a:rPr lang="pt-BR" sz="2200" b="1" dirty="0">
-                <a:solidFill>
-                  <a:srgbClr val="0070C0"/>
-                </a:solidFill>
-                <a:latin typeface="Times New Roman" panose="02020603050405020304" pitchFamily="18" charset="0"/>
-                <a:cs typeface="Times New Roman" panose="02020603050405020304" pitchFamily="18" charset="0"/>
-              </a:rPr>
-              <a:t>informações dos sensores </a:t>
-            </a:r>
-            <a:r>
-              <a:rPr lang="pt-BR" sz="2200" dirty="0">
-                <a:latin typeface="Times New Roman" panose="02020603050405020304" pitchFamily="18" charset="0"/>
-                <a:cs typeface="Times New Roman" panose="02020603050405020304" pitchFamily="18" charset="0"/>
-              </a:rPr>
-              <a:t>e, com base na programação, </a:t>
-            </a:r>
-            <a:r>
-              <a:rPr lang="pt-BR" sz="2200" b="1" dirty="0">
-                <a:latin typeface="Times New Roman" panose="02020603050405020304" pitchFamily="18" charset="0"/>
-                <a:cs typeface="Times New Roman" panose="02020603050405020304" pitchFamily="18" charset="0"/>
-              </a:rPr>
-              <a:t>envia </a:t>
-            </a:r>
-            <a:r>
-              <a:rPr lang="pt-BR" sz="2200" b="1" dirty="0">
-                <a:solidFill>
-                  <a:srgbClr val="FF0000"/>
-                </a:solidFill>
-                <a:latin typeface="Times New Roman" panose="02020603050405020304" pitchFamily="18" charset="0"/>
-                <a:cs typeface="Times New Roman" panose="02020603050405020304" pitchFamily="18" charset="0"/>
-              </a:rPr>
-              <a:t>sinais para os atuadores</a:t>
-            </a:r>
-            <a:r>
-              <a:rPr lang="pt-BR" sz="2200" dirty="0">
-                <a:solidFill>
-                  <a:srgbClr val="FF0000"/>
-                </a:solidFill>
-                <a:latin typeface="Times New Roman" panose="02020603050405020304" pitchFamily="18" charset="0"/>
-                <a:cs typeface="Times New Roman" panose="02020603050405020304" pitchFamily="18" charset="0"/>
-              </a:rPr>
-              <a:t> </a:t>
-            </a:r>
-            <a:r>
-              <a:rPr lang="pt-BR" sz="2200" dirty="0">
-                <a:latin typeface="Times New Roman" panose="02020603050405020304" pitchFamily="18" charset="0"/>
-                <a:cs typeface="Times New Roman" panose="02020603050405020304" pitchFamily="18" charset="0"/>
-              </a:rPr>
-              <a:t>executarem as ações necessárias.</a:t>
-            </a:r>
-          </a:p>
-          <a:p>
-            <a:pPr marL="0" indent="0" algn="just">
-              <a:buNone/>
-            </a:pPr>
-            <a:endParaRPr lang="pt-BR" sz="2200" dirty="0">
-              <a:latin typeface="Times New Roman" panose="02020603050405020304" pitchFamily="18" charset="0"/>
-              <a:cs typeface="Times New Roman" panose="02020603050405020304" pitchFamily="18" charset="0"/>
-            </a:endParaRPr>
-          </a:p>
-          <a:p>
-            <a:pPr algn="just">
-              <a:buNone/>
-            </a:pPr>
-            <a:r>
-              <a:rPr lang="pt-BR" sz="2200" b="1" dirty="0">
-                <a:latin typeface="Times New Roman" panose="02020603050405020304" pitchFamily="18" charset="0"/>
-                <a:cs typeface="Times New Roman" panose="02020603050405020304" pitchFamily="18" charset="0"/>
-              </a:rPr>
-              <a:t>Exemplo prático de aplicação</a:t>
-            </a:r>
-            <a:r>
-              <a:rPr lang="pt-BR" sz="2200" dirty="0">
-                <a:latin typeface="Times New Roman" panose="02020603050405020304" pitchFamily="18" charset="0"/>
-                <a:cs typeface="Times New Roman" panose="02020603050405020304" pitchFamily="18" charset="0"/>
-              </a:rPr>
-              <a:t>: Em uma linha de produção, o sensor de temperatura monitora a temperatura de um forno e, quando atinge um valor crítico, o CLP aciona um atuador para desligar o forno.</a:t>
-            </a:r>
-            <a:endParaRPr lang="pt-BR" sz="2200" b="1" dirty="0">
-              <a:latin typeface="Times New Roman" panose="02020603050405020304" pitchFamily="18" charset="0"/>
-              <a:cs typeface="Times New Roman" panose="02020603050405020304" pitchFamily="18" charset="0"/>
-            </a:endParaRPr>
-          </a:p>
-        </p:txBody>
-      </p:sp>
-    </p:spTree>
-    <p:extLst>
-      <p:ext uri="{BB962C8B-B14F-4D97-AF65-F5344CB8AC3E}">
-        <p14:creationId xmlns:p14="http://schemas.microsoft.com/office/powerpoint/2010/main" val="2851910881"/>
       </p:ext>
     </p:extLst>
   </p:cSld>
@@ -8568,6 +8532,296 @@
         <p:cNvPr id="1" name="">
           <a:extLst>
             <a:ext uri="{FF2B5EF4-FFF2-40B4-BE49-F238E27FC236}">
+              <a16:creationId xmlns:a16="http://schemas.microsoft.com/office/drawing/2014/main" id="{2B612DA4-0F92-8115-1B32-65F2C9A32FBE}"/>
+            </a:ext>
+          </a:extLst>
+        </p:cNvPr>
+        <p:cNvGrpSpPr/>
+        <p:nvPr/>
+      </p:nvGrpSpPr>
+      <p:grpSpPr>
+        <a:xfrm>
+          <a:off x="0" y="0"/>
+          <a:ext cx="0" cy="0"/>
+          <a:chOff x="0" y="0"/>
+          <a:chExt cx="0" cy="0"/>
+        </a:xfrm>
+      </p:grpSpPr>
+      <p:sp>
+        <p:nvSpPr>
+          <p:cNvPr id="6" name="Title 1">
+            <a:extLst>
+              <a:ext uri="{FF2B5EF4-FFF2-40B4-BE49-F238E27FC236}">
+                <a16:creationId xmlns:a16="http://schemas.microsoft.com/office/drawing/2014/main" id="{C4FFF106-D06E-0243-8FC0-13C59FD0A890}"/>
+              </a:ext>
+            </a:extLst>
+          </p:cNvPr>
+          <p:cNvSpPr>
+            <a:spLocks noGrp="1"/>
+          </p:cNvSpPr>
+          <p:nvPr>
+            <p:ph type="title"/>
+          </p:nvPr>
+        </p:nvSpPr>
+        <p:spPr>
+          <a:xfrm>
+            <a:off x="457200" y="205980"/>
+            <a:ext cx="8229600" cy="857251"/>
+          </a:xfrm>
+        </p:spPr>
+        <p:txBody>
+          <a:bodyPr>
+            <a:normAutofit/>
+          </a:bodyPr>
+          <a:lstStyle/>
+          <a:p>
+            <a:r>
+              <a:rPr lang="en-US" b="1" dirty="0" err="1">
+                <a:solidFill>
+                  <a:srgbClr val="0070C0"/>
+                </a:solidFill>
+              </a:rPr>
+              <a:t>Sensores</a:t>
+            </a:r>
+            <a:r>
+              <a:rPr lang="en-US" b="1" dirty="0">
+                <a:solidFill>
+                  <a:srgbClr val="0070C0"/>
+                </a:solidFill>
+              </a:rPr>
+              <a:t> e </a:t>
+            </a:r>
+            <a:r>
+              <a:rPr lang="en-US" b="1" dirty="0" err="1">
+                <a:solidFill>
+                  <a:srgbClr val="0070C0"/>
+                </a:solidFill>
+              </a:rPr>
+              <a:t>Atuadores</a:t>
+            </a:r>
+            <a:endParaRPr lang="en-US" b="1" dirty="0">
+              <a:solidFill>
+                <a:srgbClr val="0070C0"/>
+              </a:solidFill>
+            </a:endParaRPr>
+          </a:p>
+        </p:txBody>
+      </p:sp>
+      <p:sp>
+        <p:nvSpPr>
+          <p:cNvPr id="8" name="Text Placeholder 2">
+            <a:extLst>
+              <a:ext uri="{FF2B5EF4-FFF2-40B4-BE49-F238E27FC236}">
+                <a16:creationId xmlns:a16="http://schemas.microsoft.com/office/drawing/2014/main" id="{25EE1022-1F0C-9564-22E4-7F6E98E6F6CF}"/>
+              </a:ext>
+            </a:extLst>
+          </p:cNvPr>
+          <p:cNvSpPr>
+            <a:spLocks noGrp="1"/>
+          </p:cNvSpPr>
+          <p:nvPr>
+            <p:ph type="body" sz="half" idx="1"/>
+          </p:nvPr>
+        </p:nvSpPr>
+        <p:spPr>
+          <a:xfrm>
+            <a:off x="142865" y="1035050"/>
+            <a:ext cx="8865056" cy="3994150"/>
+          </a:xfrm>
+        </p:spPr>
+        <p:txBody>
+          <a:bodyPr>
+            <a:noAutofit/>
+          </a:bodyPr>
+          <a:lstStyle/>
+          <a:p>
+            <a:pPr algn="just">
+              <a:buFont typeface="Wingdings" panose="05000000000000000000" pitchFamily="2" charset="2"/>
+              <a:buChar char="Ø"/>
+            </a:pPr>
+            <a:r>
+              <a:rPr lang="pt-BR" sz="2200" b="1" dirty="0">
+                <a:solidFill>
+                  <a:srgbClr val="FF0000"/>
+                </a:solidFill>
+                <a:latin typeface="Times New Roman" panose="02020603050405020304" pitchFamily="18" charset="0"/>
+                <a:cs typeface="Times New Roman" panose="02020603050405020304" pitchFamily="18" charset="0"/>
+              </a:rPr>
+              <a:t>Integração com o CLP</a:t>
+            </a:r>
+            <a:r>
+              <a:rPr lang="pt-BR" sz="2200" dirty="0">
+                <a:latin typeface="Times New Roman" panose="02020603050405020304" pitchFamily="18" charset="0"/>
+                <a:cs typeface="Times New Roman" panose="02020603050405020304" pitchFamily="18" charset="0"/>
+              </a:rPr>
+              <a:t>:</a:t>
+            </a:r>
+          </a:p>
+          <a:p>
+            <a:pPr marL="0" indent="0" algn="just">
+              <a:buNone/>
+            </a:pPr>
+            <a:endParaRPr lang="pt-BR" sz="2200" dirty="0">
+              <a:latin typeface="Times New Roman" panose="02020603050405020304" pitchFamily="18" charset="0"/>
+              <a:cs typeface="Times New Roman" panose="02020603050405020304" pitchFamily="18" charset="0"/>
+            </a:endParaRPr>
+          </a:p>
+          <a:p>
+            <a:pPr marL="0" indent="0" algn="just">
+              <a:buNone/>
+            </a:pPr>
+            <a:r>
+              <a:rPr lang="pt-BR" sz="2200" dirty="0">
+                <a:latin typeface="Times New Roman" panose="02020603050405020304" pitchFamily="18" charset="0"/>
+                <a:cs typeface="Times New Roman" panose="02020603050405020304" pitchFamily="18" charset="0"/>
+              </a:rPr>
+              <a:t>O </a:t>
+            </a:r>
+            <a:r>
+              <a:rPr lang="pt-BR" sz="2200" b="1" dirty="0">
+                <a:solidFill>
+                  <a:schemeClr val="tx1"/>
+                </a:solidFill>
+                <a:latin typeface="Times New Roman" panose="02020603050405020304" pitchFamily="18" charset="0"/>
+                <a:cs typeface="Times New Roman" panose="02020603050405020304" pitchFamily="18" charset="0"/>
+              </a:rPr>
+              <a:t>CLP</a:t>
+            </a:r>
+            <a:r>
+              <a:rPr lang="pt-BR" sz="2200" dirty="0">
+                <a:latin typeface="Times New Roman" panose="02020603050405020304" pitchFamily="18" charset="0"/>
+                <a:cs typeface="Times New Roman" panose="02020603050405020304" pitchFamily="18" charset="0"/>
+              </a:rPr>
+              <a:t> </a:t>
+            </a:r>
+            <a:r>
+              <a:rPr lang="pt-BR" sz="2200" b="1" dirty="0">
+                <a:solidFill>
+                  <a:srgbClr val="0070C0"/>
+                </a:solidFill>
+                <a:latin typeface="Times New Roman" panose="02020603050405020304" pitchFamily="18" charset="0"/>
+                <a:cs typeface="Times New Roman" panose="02020603050405020304" pitchFamily="18" charset="0"/>
+              </a:rPr>
+              <a:t>recebe</a:t>
+            </a:r>
+            <a:r>
+              <a:rPr lang="pt-BR" sz="2200" dirty="0">
+                <a:solidFill>
+                  <a:srgbClr val="0070C0"/>
+                </a:solidFill>
+                <a:latin typeface="Times New Roman" panose="02020603050405020304" pitchFamily="18" charset="0"/>
+                <a:cs typeface="Times New Roman" panose="02020603050405020304" pitchFamily="18" charset="0"/>
+              </a:rPr>
+              <a:t> </a:t>
+            </a:r>
+            <a:r>
+              <a:rPr lang="pt-BR" sz="2200" b="1" dirty="0">
+                <a:solidFill>
+                  <a:srgbClr val="0070C0"/>
+                </a:solidFill>
+                <a:latin typeface="Times New Roman" panose="02020603050405020304" pitchFamily="18" charset="0"/>
+                <a:cs typeface="Times New Roman" panose="02020603050405020304" pitchFamily="18" charset="0"/>
+              </a:rPr>
+              <a:t>informações dos sensores </a:t>
+            </a:r>
+            <a:r>
+              <a:rPr lang="pt-BR" sz="2200" dirty="0">
+                <a:latin typeface="Times New Roman" panose="02020603050405020304" pitchFamily="18" charset="0"/>
+                <a:cs typeface="Times New Roman" panose="02020603050405020304" pitchFamily="18" charset="0"/>
+              </a:rPr>
+              <a:t>e, com base na programação, </a:t>
+            </a:r>
+            <a:r>
+              <a:rPr lang="pt-BR" sz="2200" b="1" dirty="0">
+                <a:latin typeface="Times New Roman" panose="02020603050405020304" pitchFamily="18" charset="0"/>
+                <a:cs typeface="Times New Roman" panose="02020603050405020304" pitchFamily="18" charset="0"/>
+              </a:rPr>
+              <a:t>envia </a:t>
+            </a:r>
+            <a:r>
+              <a:rPr lang="pt-BR" sz="2200" b="1" dirty="0">
+                <a:solidFill>
+                  <a:srgbClr val="FF0000"/>
+                </a:solidFill>
+                <a:latin typeface="Times New Roman" panose="02020603050405020304" pitchFamily="18" charset="0"/>
+                <a:cs typeface="Times New Roman" panose="02020603050405020304" pitchFamily="18" charset="0"/>
+              </a:rPr>
+              <a:t>sinais para os atuadores</a:t>
+            </a:r>
+            <a:r>
+              <a:rPr lang="pt-BR" sz="2200" dirty="0">
+                <a:solidFill>
+                  <a:srgbClr val="FF0000"/>
+                </a:solidFill>
+                <a:latin typeface="Times New Roman" panose="02020603050405020304" pitchFamily="18" charset="0"/>
+                <a:cs typeface="Times New Roman" panose="02020603050405020304" pitchFamily="18" charset="0"/>
+              </a:rPr>
+              <a:t> </a:t>
+            </a:r>
+            <a:r>
+              <a:rPr lang="pt-BR" sz="2200" dirty="0">
+                <a:latin typeface="Times New Roman" panose="02020603050405020304" pitchFamily="18" charset="0"/>
+                <a:cs typeface="Times New Roman" panose="02020603050405020304" pitchFamily="18" charset="0"/>
+              </a:rPr>
+              <a:t>executarem as ações necessárias.</a:t>
+            </a:r>
+          </a:p>
+          <a:p>
+            <a:pPr marL="0" indent="0" algn="just">
+              <a:buNone/>
+            </a:pPr>
+            <a:endParaRPr lang="pt-BR" sz="2200" dirty="0">
+              <a:latin typeface="Times New Roman" panose="02020603050405020304" pitchFamily="18" charset="0"/>
+              <a:cs typeface="Times New Roman" panose="02020603050405020304" pitchFamily="18" charset="0"/>
+            </a:endParaRPr>
+          </a:p>
+          <a:p>
+            <a:pPr algn="just">
+              <a:buNone/>
+            </a:pPr>
+            <a:r>
+              <a:rPr lang="pt-BR" sz="2200" b="1" dirty="0">
+                <a:latin typeface="Times New Roman" panose="02020603050405020304" pitchFamily="18" charset="0"/>
+                <a:cs typeface="Times New Roman" panose="02020603050405020304" pitchFamily="18" charset="0"/>
+              </a:rPr>
+              <a:t>Exemplo prático de aplicação</a:t>
+            </a:r>
+            <a:r>
+              <a:rPr lang="pt-BR" sz="2200" dirty="0">
+                <a:latin typeface="Times New Roman" panose="02020603050405020304" pitchFamily="18" charset="0"/>
+                <a:cs typeface="Times New Roman" panose="02020603050405020304" pitchFamily="18" charset="0"/>
+              </a:rPr>
+              <a:t>: Em uma linha de produção, o sensor de temperatura monitora a temperatura de um forno e, quando atinge um valor crítico, o CLP aciona um atuador para desligar o forno.</a:t>
+            </a:r>
+            <a:endParaRPr lang="pt-BR" sz="2200" b="1" dirty="0">
+              <a:latin typeface="Times New Roman" panose="02020603050405020304" pitchFamily="18" charset="0"/>
+              <a:cs typeface="Times New Roman" panose="02020603050405020304" pitchFamily="18" charset="0"/>
+            </a:endParaRPr>
+          </a:p>
+        </p:txBody>
+      </p:sp>
+    </p:spTree>
+    <p:extLst>
+      <p:ext uri="{BB962C8B-B14F-4D97-AF65-F5344CB8AC3E}">
+        <p14:creationId xmlns:p14="http://schemas.microsoft.com/office/powerpoint/2010/main" val="2851910881"/>
+      </p:ext>
+    </p:extLst>
+  </p:cSld>
+  <p:clrMapOvr>
+    <a:masterClrMapping/>
+  </p:clrMapOvr>
+  <p:transition spd="med"/>
+</p:sld>
+</file>
+
+<file path=ppt/slides/slide21.xml><?xml version="1.0" encoding="utf-8"?>
+<p:sld xmlns:a="http://schemas.openxmlformats.org/drawingml/2006/main" xmlns:r="http://schemas.openxmlformats.org/officeDocument/2006/relationships" xmlns:p="http://schemas.openxmlformats.org/presentationml/2006/main">
+  <p:cSld>
+    <p:spTree>
+      <p:nvGrpSpPr>
+        <p:cNvPr id="1" name="">
+          <a:extLst>
+            <a:ext uri="{FF2B5EF4-FFF2-40B4-BE49-F238E27FC236}">
               <a16:creationId xmlns:a16="http://schemas.microsoft.com/office/drawing/2014/main" id="{D512BCB7-4ED6-71F3-F5A3-B7A5A4B31174}"/>
             </a:ext>
           </a:extLst>
@@ -8735,7 +8989,7 @@
 </p:sld>
 </file>
 
-<file path=ppt/slides/slide21.xml><?xml version="1.0" encoding="utf-8"?>
+<file path=ppt/slides/slide22.xml><?xml version="1.0" encoding="utf-8"?>
 <p:sld xmlns:a="http://schemas.openxmlformats.org/drawingml/2006/main" xmlns:r="http://schemas.openxmlformats.org/officeDocument/2006/relationships" xmlns:p="http://schemas.openxmlformats.org/presentationml/2006/main">
   <p:cSld>
     <p:spTree>
@@ -8935,267 +9189,6 @@
 </p:sld>
 </file>
 
-<file path=ppt/slides/slide22.xml><?xml version="1.0" encoding="utf-8"?>
-<p:sld xmlns:a="http://schemas.openxmlformats.org/drawingml/2006/main" xmlns:r="http://schemas.openxmlformats.org/officeDocument/2006/relationships" xmlns:p="http://schemas.openxmlformats.org/presentationml/2006/main">
-  <p:cSld>
-    <p:spTree>
-      <p:nvGrpSpPr>
-        <p:cNvPr id="1" name=""/>
-        <p:cNvGrpSpPr/>
-        <p:nvPr/>
-      </p:nvGrpSpPr>
-      <p:grpSpPr>
-        <a:xfrm>
-          <a:off x="0" y="0"/>
-          <a:ext cx="0" cy="0"/>
-          <a:chOff x="0" y="0"/>
-          <a:chExt cx="0" cy="0"/>
-        </a:xfrm>
-      </p:grpSpPr>
-      <p:sp>
-        <p:nvSpPr>
-          <p:cNvPr id="6" name="Title 1"/>
-          <p:cNvSpPr>
-            <a:spLocks noGrp="1"/>
-          </p:cNvSpPr>
-          <p:nvPr>
-            <p:ph type="title"/>
-          </p:nvPr>
-        </p:nvSpPr>
-        <p:spPr>
-          <a:xfrm>
-            <a:off x="457200" y="205980"/>
-            <a:ext cx="8229600" cy="857251"/>
-          </a:xfrm>
-        </p:spPr>
-        <p:txBody>
-          <a:bodyPr>
-            <a:normAutofit/>
-          </a:bodyPr>
-          <a:lstStyle/>
-          <a:p>
-            <a:r>
-              <a:rPr lang="en-US" b="1" dirty="0" err="1">
-                <a:solidFill>
-                  <a:srgbClr val="0070C0"/>
-                </a:solidFill>
-              </a:rPr>
-              <a:t>Leitura</a:t>
-            </a:r>
-            <a:r>
-              <a:rPr lang="en-US" b="1" dirty="0">
-                <a:solidFill>
-                  <a:srgbClr val="0070C0"/>
-                </a:solidFill>
-              </a:rPr>
-              <a:t> </a:t>
-            </a:r>
-            <a:r>
-              <a:rPr lang="en-US" b="1" dirty="0" err="1">
-                <a:solidFill>
-                  <a:srgbClr val="0070C0"/>
-                </a:solidFill>
-              </a:rPr>
-              <a:t>Específica</a:t>
-            </a:r>
-            <a:endParaRPr lang="en-US" b="1" dirty="0">
-              <a:solidFill>
-                <a:srgbClr val="0070C0"/>
-              </a:solidFill>
-            </a:endParaRPr>
-          </a:p>
-        </p:txBody>
-      </p:sp>
-      <p:sp>
-        <p:nvSpPr>
-          <p:cNvPr id="8" name="Text Placeholder 2"/>
-          <p:cNvSpPr>
-            <a:spLocks noGrp="1"/>
-          </p:cNvSpPr>
-          <p:nvPr>
-            <p:ph type="body" sz="half" idx="1"/>
-          </p:nvPr>
-        </p:nvSpPr>
-        <p:spPr>
-          <a:xfrm>
-            <a:off x="142865" y="1200150"/>
-            <a:ext cx="8865056" cy="3737369"/>
-          </a:xfrm>
-        </p:spPr>
-        <p:txBody>
-          <a:bodyPr>
-            <a:noAutofit/>
-          </a:bodyPr>
-          <a:lstStyle/>
-          <a:p>
-            <a:pPr marL="0" indent="0" algn="just">
-              <a:buNone/>
-            </a:pPr>
-            <a:r>
-              <a:rPr lang="pt-BR" sz="2000" dirty="0">
-                <a:latin typeface="Times New Roman" panose="02020603050405020304" pitchFamily="18" charset="0"/>
-                <a:cs typeface="Times New Roman" panose="02020603050405020304" pitchFamily="18" charset="0"/>
-              </a:rPr>
-              <a:t>[1] </a:t>
-            </a:r>
-            <a:r>
-              <a:rPr lang="pt-BR" sz="2000" b="1" dirty="0">
-                <a:latin typeface="Times New Roman" panose="02020603050405020304" pitchFamily="18" charset="0"/>
-                <a:cs typeface="Times New Roman" panose="02020603050405020304" pitchFamily="18" charset="0"/>
-              </a:rPr>
-              <a:t>Automação de Processo</a:t>
-            </a:r>
-            <a:r>
-              <a:rPr lang="pt-BR" sz="2000" dirty="0">
-                <a:latin typeface="Times New Roman" panose="02020603050405020304" pitchFamily="18" charset="0"/>
-                <a:cs typeface="Times New Roman" panose="02020603050405020304" pitchFamily="18" charset="0"/>
-              </a:rPr>
-              <a:t>.</a:t>
-            </a:r>
-          </a:p>
-          <a:p>
-            <a:pPr marL="0" indent="0" algn="just">
-              <a:buNone/>
-            </a:pPr>
-            <a:r>
-              <a:rPr lang="pt-BR" sz="2000" b="1" dirty="0">
-                <a:solidFill>
-                  <a:srgbClr val="FF0000"/>
-                </a:solidFill>
-                <a:latin typeface="Times New Roman" panose="02020603050405020304" pitchFamily="18" charset="0"/>
-                <a:cs typeface="Times New Roman" panose="02020603050405020304" pitchFamily="18" charset="0"/>
-              </a:rPr>
-              <a:t>Disponível em: </a:t>
-            </a:r>
-            <a:r>
-              <a:rPr lang="pt-BR" sz="2000" dirty="0">
-                <a:solidFill>
-                  <a:srgbClr val="FF0000"/>
-                </a:solidFill>
-                <a:latin typeface="Times New Roman" panose="02020603050405020304" pitchFamily="18" charset="0"/>
-                <a:cs typeface="Times New Roman" panose="02020603050405020304" pitchFamily="18" charset="0"/>
-                <a:hlinkClick r:id="rId3"/>
-              </a:rPr>
-              <a:t>https://semanaacademica.org.br/system/files/artigos/56_artigo_-_paula_ananda_0.pdf</a:t>
-            </a:r>
-            <a:r>
-              <a:rPr lang="pt-BR" sz="2000" dirty="0">
-                <a:solidFill>
-                  <a:srgbClr val="FF0000"/>
-                </a:solidFill>
-                <a:latin typeface="Times New Roman" panose="02020603050405020304" pitchFamily="18" charset="0"/>
-                <a:cs typeface="Times New Roman" panose="02020603050405020304" pitchFamily="18" charset="0"/>
-              </a:rPr>
-              <a:t> </a:t>
-            </a:r>
-          </a:p>
-          <a:p>
-            <a:pPr marL="0" indent="0" algn="just">
-              <a:buNone/>
-            </a:pPr>
-            <a:endParaRPr lang="pt-BR" sz="2000" b="1" dirty="0">
-              <a:solidFill>
-                <a:srgbClr val="FF0000"/>
-              </a:solidFill>
-              <a:latin typeface="Times New Roman" panose="02020603050405020304" pitchFamily="18" charset="0"/>
-              <a:cs typeface="Times New Roman" panose="02020603050405020304" pitchFamily="18" charset="0"/>
-            </a:endParaRPr>
-          </a:p>
-          <a:p>
-            <a:pPr marL="0" indent="0" algn="just">
-              <a:buNone/>
-            </a:pPr>
-            <a:endParaRPr lang="pt-BR" sz="2000" dirty="0">
-              <a:latin typeface="Times New Roman" panose="02020603050405020304" pitchFamily="18" charset="0"/>
-              <a:cs typeface="Times New Roman" panose="02020603050405020304" pitchFamily="18" charset="0"/>
-            </a:endParaRPr>
-          </a:p>
-          <a:p>
-            <a:pPr marL="0" indent="0" algn="just">
-              <a:buNone/>
-            </a:pPr>
-            <a:r>
-              <a:rPr lang="pt-BR" sz="2000" dirty="0">
-                <a:latin typeface="Times New Roman" panose="02020603050405020304" pitchFamily="18" charset="0"/>
-                <a:cs typeface="Times New Roman" panose="02020603050405020304" pitchFamily="18" charset="0"/>
-              </a:rPr>
-              <a:t>[2] </a:t>
-            </a:r>
-            <a:r>
-              <a:rPr lang="pt-BR" sz="2000" b="1" dirty="0">
-                <a:latin typeface="Times New Roman" panose="02020603050405020304" pitchFamily="18" charset="0"/>
-                <a:cs typeface="Times New Roman" panose="02020603050405020304" pitchFamily="18" charset="0"/>
-              </a:rPr>
-              <a:t>Sensores e Atuadores</a:t>
-            </a:r>
-            <a:r>
-              <a:rPr lang="pt-BR" sz="2000" dirty="0">
-                <a:latin typeface="Times New Roman" panose="02020603050405020304" pitchFamily="18" charset="0"/>
-                <a:cs typeface="Times New Roman" panose="02020603050405020304" pitchFamily="18" charset="0"/>
-              </a:rPr>
-              <a:t>. </a:t>
-            </a:r>
-          </a:p>
-          <a:p>
-            <a:pPr marL="0" indent="0" algn="just">
-              <a:buNone/>
-            </a:pPr>
-            <a:r>
-              <a:rPr lang="pt-BR" sz="2000" b="1" dirty="0">
-                <a:solidFill>
-                  <a:srgbClr val="FF0000"/>
-                </a:solidFill>
-                <a:latin typeface="Times New Roman" panose="02020603050405020304" pitchFamily="18" charset="0"/>
-                <a:cs typeface="Times New Roman" panose="02020603050405020304" pitchFamily="18" charset="0"/>
-              </a:rPr>
-              <a:t>Disponível em: </a:t>
-            </a:r>
-          </a:p>
-          <a:p>
-            <a:pPr marL="0" indent="0" algn="just">
-              <a:buNone/>
-            </a:pPr>
-            <a:r>
-              <a:rPr lang="pt-BR" sz="2000" dirty="0">
-                <a:solidFill>
-                  <a:srgbClr val="FF0000"/>
-                </a:solidFill>
-                <a:latin typeface="Times New Roman" panose="02020603050405020304" pitchFamily="18" charset="0"/>
-                <a:cs typeface="Times New Roman" panose="02020603050405020304" pitchFamily="18" charset="0"/>
-                <a:hlinkClick r:id="rId4"/>
-              </a:rPr>
-              <a:t>https://repositorio.ufsc.br/bitstream/handle/123456789/193907/PEAS0277-D.pdf?sequence=-1</a:t>
-            </a:r>
-            <a:r>
-              <a:rPr lang="pt-BR" sz="2000" dirty="0">
-                <a:solidFill>
-                  <a:srgbClr val="FF0000"/>
-                </a:solidFill>
-                <a:latin typeface="Times New Roman" panose="02020603050405020304" pitchFamily="18" charset="0"/>
-                <a:cs typeface="Times New Roman" panose="02020603050405020304" pitchFamily="18" charset="0"/>
-              </a:rPr>
-              <a:t> </a:t>
-            </a:r>
-            <a:endParaRPr lang="pt-BR" sz="2000" dirty="0">
-              <a:latin typeface="Calibri" panose="020F0502020204030204" pitchFamily="34" charset="0"/>
-            </a:endParaRPr>
-          </a:p>
-        </p:txBody>
-      </p:sp>
-    </p:spTree>
-    <p:extLst>
-      <p:ext uri="{BB962C8B-B14F-4D97-AF65-F5344CB8AC3E}">
-        <p14:creationId xmlns:p14="http://schemas.microsoft.com/office/powerpoint/2010/main" val="3680270425"/>
-      </p:ext>
-    </p:extLst>
-  </p:cSld>
-  <p:clrMapOvr>
-    <a:masterClrMapping/>
-  </p:clrMapOvr>
-  <p:transition spd="med"/>
-</p:sld>
-</file>
-
 <file path=ppt/slides/slide23.xml><?xml version="1.0" encoding="utf-8"?>
 <p:sld xmlns:a="http://schemas.openxmlformats.org/drawingml/2006/main" xmlns:r="http://schemas.openxmlformats.org/officeDocument/2006/relationships" xmlns:p="http://schemas.openxmlformats.org/presentationml/2006/main">
   <p:cSld>
@@ -9241,6 +9234,267 @@
                   <a:srgbClr val="0070C0"/>
                 </a:solidFill>
               </a:rPr>
+              <a:t>Leitura</a:t>
+            </a:r>
+            <a:r>
+              <a:rPr lang="en-US" b="1" dirty="0">
+                <a:solidFill>
+                  <a:srgbClr val="0070C0"/>
+                </a:solidFill>
+              </a:rPr>
+              <a:t> </a:t>
+            </a:r>
+            <a:r>
+              <a:rPr lang="en-US" b="1" dirty="0" err="1">
+                <a:solidFill>
+                  <a:srgbClr val="0070C0"/>
+                </a:solidFill>
+              </a:rPr>
+              <a:t>Específica</a:t>
+            </a:r>
+            <a:endParaRPr lang="en-US" b="1" dirty="0">
+              <a:solidFill>
+                <a:srgbClr val="0070C0"/>
+              </a:solidFill>
+            </a:endParaRPr>
+          </a:p>
+        </p:txBody>
+      </p:sp>
+      <p:sp>
+        <p:nvSpPr>
+          <p:cNvPr id="8" name="Text Placeholder 2"/>
+          <p:cNvSpPr>
+            <a:spLocks noGrp="1"/>
+          </p:cNvSpPr>
+          <p:nvPr>
+            <p:ph type="body" sz="half" idx="1"/>
+          </p:nvPr>
+        </p:nvSpPr>
+        <p:spPr>
+          <a:xfrm>
+            <a:off x="142865" y="1200150"/>
+            <a:ext cx="8865056" cy="3737369"/>
+          </a:xfrm>
+        </p:spPr>
+        <p:txBody>
+          <a:bodyPr>
+            <a:noAutofit/>
+          </a:bodyPr>
+          <a:lstStyle/>
+          <a:p>
+            <a:pPr marL="0" indent="0" algn="just">
+              <a:buNone/>
+            </a:pPr>
+            <a:r>
+              <a:rPr lang="pt-BR" sz="2000" dirty="0">
+                <a:latin typeface="Times New Roman" panose="02020603050405020304" pitchFamily="18" charset="0"/>
+                <a:cs typeface="Times New Roman" panose="02020603050405020304" pitchFamily="18" charset="0"/>
+              </a:rPr>
+              <a:t>[1] </a:t>
+            </a:r>
+            <a:r>
+              <a:rPr lang="pt-BR" sz="2000" b="1" dirty="0">
+                <a:latin typeface="Times New Roman" panose="02020603050405020304" pitchFamily="18" charset="0"/>
+                <a:cs typeface="Times New Roman" panose="02020603050405020304" pitchFamily="18" charset="0"/>
+              </a:rPr>
+              <a:t>Automação de Processo</a:t>
+            </a:r>
+            <a:r>
+              <a:rPr lang="pt-BR" sz="2000" dirty="0">
+                <a:latin typeface="Times New Roman" panose="02020603050405020304" pitchFamily="18" charset="0"/>
+                <a:cs typeface="Times New Roman" panose="02020603050405020304" pitchFamily="18" charset="0"/>
+              </a:rPr>
+              <a:t>.</a:t>
+            </a:r>
+          </a:p>
+          <a:p>
+            <a:pPr marL="0" indent="0" algn="just">
+              <a:buNone/>
+            </a:pPr>
+            <a:r>
+              <a:rPr lang="pt-BR" sz="2000" b="1" dirty="0">
+                <a:solidFill>
+                  <a:srgbClr val="FF0000"/>
+                </a:solidFill>
+                <a:latin typeface="Times New Roman" panose="02020603050405020304" pitchFamily="18" charset="0"/>
+                <a:cs typeface="Times New Roman" panose="02020603050405020304" pitchFamily="18" charset="0"/>
+              </a:rPr>
+              <a:t>Disponível em: </a:t>
+            </a:r>
+            <a:r>
+              <a:rPr lang="pt-BR" sz="2000" dirty="0">
+                <a:solidFill>
+                  <a:srgbClr val="FF0000"/>
+                </a:solidFill>
+                <a:latin typeface="Times New Roman" panose="02020603050405020304" pitchFamily="18" charset="0"/>
+                <a:cs typeface="Times New Roman" panose="02020603050405020304" pitchFamily="18" charset="0"/>
+                <a:hlinkClick r:id="rId3"/>
+              </a:rPr>
+              <a:t>https://semanaacademica.org.br/system/files/artigos/56_artigo_-_paula_ananda_0.pdf</a:t>
+            </a:r>
+            <a:r>
+              <a:rPr lang="pt-BR" sz="2000" dirty="0">
+                <a:solidFill>
+                  <a:srgbClr val="FF0000"/>
+                </a:solidFill>
+                <a:latin typeface="Times New Roman" panose="02020603050405020304" pitchFamily="18" charset="0"/>
+                <a:cs typeface="Times New Roman" panose="02020603050405020304" pitchFamily="18" charset="0"/>
+              </a:rPr>
+              <a:t> </a:t>
+            </a:r>
+          </a:p>
+          <a:p>
+            <a:pPr marL="0" indent="0" algn="just">
+              <a:buNone/>
+            </a:pPr>
+            <a:endParaRPr lang="pt-BR" sz="2000" b="1" dirty="0">
+              <a:solidFill>
+                <a:srgbClr val="FF0000"/>
+              </a:solidFill>
+              <a:latin typeface="Times New Roman" panose="02020603050405020304" pitchFamily="18" charset="0"/>
+              <a:cs typeface="Times New Roman" panose="02020603050405020304" pitchFamily="18" charset="0"/>
+            </a:endParaRPr>
+          </a:p>
+          <a:p>
+            <a:pPr marL="0" indent="0" algn="just">
+              <a:buNone/>
+            </a:pPr>
+            <a:endParaRPr lang="pt-BR" sz="2000" dirty="0">
+              <a:latin typeface="Times New Roman" panose="02020603050405020304" pitchFamily="18" charset="0"/>
+              <a:cs typeface="Times New Roman" panose="02020603050405020304" pitchFamily="18" charset="0"/>
+            </a:endParaRPr>
+          </a:p>
+          <a:p>
+            <a:pPr marL="0" indent="0" algn="just">
+              <a:buNone/>
+            </a:pPr>
+            <a:r>
+              <a:rPr lang="pt-BR" sz="2000" dirty="0">
+                <a:latin typeface="Times New Roman" panose="02020603050405020304" pitchFamily="18" charset="0"/>
+                <a:cs typeface="Times New Roman" panose="02020603050405020304" pitchFamily="18" charset="0"/>
+              </a:rPr>
+              <a:t>[2] </a:t>
+            </a:r>
+            <a:r>
+              <a:rPr lang="pt-BR" sz="2000" b="1" dirty="0">
+                <a:latin typeface="Times New Roman" panose="02020603050405020304" pitchFamily="18" charset="0"/>
+                <a:cs typeface="Times New Roman" panose="02020603050405020304" pitchFamily="18" charset="0"/>
+              </a:rPr>
+              <a:t>Sensores e Atuadores</a:t>
+            </a:r>
+            <a:r>
+              <a:rPr lang="pt-BR" sz="2000" dirty="0">
+                <a:latin typeface="Times New Roman" panose="02020603050405020304" pitchFamily="18" charset="0"/>
+                <a:cs typeface="Times New Roman" panose="02020603050405020304" pitchFamily="18" charset="0"/>
+              </a:rPr>
+              <a:t>. </a:t>
+            </a:r>
+          </a:p>
+          <a:p>
+            <a:pPr marL="0" indent="0" algn="just">
+              <a:buNone/>
+            </a:pPr>
+            <a:r>
+              <a:rPr lang="pt-BR" sz="2000" b="1" dirty="0">
+                <a:solidFill>
+                  <a:srgbClr val="FF0000"/>
+                </a:solidFill>
+                <a:latin typeface="Times New Roman" panose="02020603050405020304" pitchFamily="18" charset="0"/>
+                <a:cs typeface="Times New Roman" panose="02020603050405020304" pitchFamily="18" charset="0"/>
+              </a:rPr>
+              <a:t>Disponível em: </a:t>
+            </a:r>
+          </a:p>
+          <a:p>
+            <a:pPr marL="0" indent="0" algn="just">
+              <a:buNone/>
+            </a:pPr>
+            <a:r>
+              <a:rPr lang="pt-BR" sz="2000" dirty="0">
+                <a:solidFill>
+                  <a:srgbClr val="FF0000"/>
+                </a:solidFill>
+                <a:latin typeface="Times New Roman" panose="02020603050405020304" pitchFamily="18" charset="0"/>
+                <a:cs typeface="Times New Roman" panose="02020603050405020304" pitchFamily="18" charset="0"/>
+                <a:hlinkClick r:id="rId4"/>
+              </a:rPr>
+              <a:t>https://repositorio.ufsc.br/bitstream/handle/123456789/193907/PEAS0277-D.pdf?sequence=-1</a:t>
+            </a:r>
+            <a:r>
+              <a:rPr lang="pt-BR" sz="2000" dirty="0">
+                <a:solidFill>
+                  <a:srgbClr val="FF0000"/>
+                </a:solidFill>
+                <a:latin typeface="Times New Roman" panose="02020603050405020304" pitchFamily="18" charset="0"/>
+                <a:cs typeface="Times New Roman" panose="02020603050405020304" pitchFamily="18" charset="0"/>
+              </a:rPr>
+              <a:t> </a:t>
+            </a:r>
+            <a:endParaRPr lang="pt-BR" sz="2000" dirty="0">
+              <a:latin typeface="Calibri" panose="020F0502020204030204" pitchFamily="34" charset="0"/>
+            </a:endParaRPr>
+          </a:p>
+        </p:txBody>
+      </p:sp>
+    </p:spTree>
+    <p:extLst>
+      <p:ext uri="{BB962C8B-B14F-4D97-AF65-F5344CB8AC3E}">
+        <p14:creationId xmlns:p14="http://schemas.microsoft.com/office/powerpoint/2010/main" val="3680270425"/>
+      </p:ext>
+    </p:extLst>
+  </p:cSld>
+  <p:clrMapOvr>
+    <a:masterClrMapping/>
+  </p:clrMapOvr>
+  <p:transition spd="med"/>
+</p:sld>
+</file>
+
+<file path=ppt/slides/slide24.xml><?xml version="1.0" encoding="utf-8"?>
+<p:sld xmlns:a="http://schemas.openxmlformats.org/drawingml/2006/main" xmlns:r="http://schemas.openxmlformats.org/officeDocument/2006/relationships" xmlns:p="http://schemas.openxmlformats.org/presentationml/2006/main">
+  <p:cSld>
+    <p:spTree>
+      <p:nvGrpSpPr>
+        <p:cNvPr id="1" name=""/>
+        <p:cNvGrpSpPr/>
+        <p:nvPr/>
+      </p:nvGrpSpPr>
+      <p:grpSpPr>
+        <a:xfrm>
+          <a:off x="0" y="0"/>
+          <a:ext cx="0" cy="0"/>
+          <a:chOff x="0" y="0"/>
+          <a:chExt cx="0" cy="0"/>
+        </a:xfrm>
+      </p:grpSpPr>
+      <p:sp>
+        <p:nvSpPr>
+          <p:cNvPr id="6" name="Title 1"/>
+          <p:cNvSpPr>
+            <a:spLocks noGrp="1"/>
+          </p:cNvSpPr>
+          <p:nvPr>
+            <p:ph type="title"/>
+          </p:nvPr>
+        </p:nvSpPr>
+        <p:spPr>
+          <a:xfrm>
+            <a:off x="457200" y="205980"/>
+            <a:ext cx="8229600" cy="857251"/>
+          </a:xfrm>
+        </p:spPr>
+        <p:txBody>
+          <a:bodyPr>
+            <a:normAutofit/>
+          </a:bodyPr>
+          <a:lstStyle/>
+          <a:p>
+            <a:r>
+              <a:rPr lang="en-US" b="1" dirty="0" err="1">
+                <a:solidFill>
+                  <a:srgbClr val="0070C0"/>
+                </a:solidFill>
+              </a:rPr>
               <a:t>Aprenda</a:t>
             </a:r>
             <a:r>
@@ -9426,7 +9680,7 @@
 </p:sld>
 </file>
 
-<file path=ppt/slides/slide24.xml><?xml version="1.0" encoding="utf-8"?>
+<file path=ppt/slides/slide25.xml><?xml version="1.0" encoding="utf-8"?>
 <p:sld xmlns:a="http://schemas.openxmlformats.org/drawingml/2006/main" xmlns:r="http://schemas.openxmlformats.org/officeDocument/2006/relationships" xmlns:p="http://schemas.openxmlformats.org/presentationml/2006/main">
   <p:cSld>
     <p:spTree>
@@ -9640,7 +9894,7 @@
 </p:sld>
 </file>
 
-<file path=ppt/slides/slide25.xml><?xml version="1.0" encoding="utf-8"?>
+<file path=ppt/slides/slide26.xml><?xml version="1.0" encoding="utf-8"?>
 <p:sld xmlns:a="http://schemas.openxmlformats.org/drawingml/2006/main" xmlns:r="http://schemas.openxmlformats.org/officeDocument/2006/relationships" xmlns:p="http://schemas.openxmlformats.org/presentationml/2006/main">
   <p:cSld>
     <p:spTree>
@@ -9803,7 +10057,7 @@
 </p:sld>
 </file>
 
-<file path=ppt/slides/slide26.xml><?xml version="1.0" encoding="utf-8"?>
+<file path=ppt/slides/slide27.xml><?xml version="1.0" encoding="utf-8"?>
 <p:sld xmlns:a="http://schemas.openxmlformats.org/drawingml/2006/main" xmlns:r="http://schemas.openxmlformats.org/officeDocument/2006/relationships" xmlns:p="http://schemas.openxmlformats.org/presentationml/2006/main">
   <p:cSld>
     <p:spTree>
@@ -10011,7 +10265,7 @@
 </p:sld>
 </file>
 
-<file path=ppt/slides/slide27.xml><?xml version="1.0" encoding="utf-8"?>
+<file path=ppt/slides/slide28.xml><?xml version="1.0" encoding="utf-8"?>
 <p:sld xmlns:a="http://schemas.openxmlformats.org/drawingml/2006/main" xmlns:r="http://schemas.openxmlformats.org/officeDocument/2006/relationships" xmlns:p="http://schemas.openxmlformats.org/presentationml/2006/main">
   <p:cSld>
     <p:spTree>

--- a/01 Classes/Aula1 - CLP - Fundamentos Automação Industrial.pptx
+++ b/01 Classes/Aula1 - CLP - Fundamentos Automação Industrial.pptx
@@ -5702,21 +5702,7 @@
                 <a:latin typeface="Times New Roman" panose="02020603050405020304" pitchFamily="18" charset="0"/>
                 <a:cs typeface="Times New Roman" panose="02020603050405020304" pitchFamily="18" charset="0"/>
               </a:rPr>
-              <a:t>- integração de diferentes sistemas, como máquinas, sensores, etc. Protocolos OPC-UA, </a:t>
-            </a:r>
-            <a:r>
-              <a:rPr lang="pt-BR" sz="2200" dirty="0" err="1">
-                <a:latin typeface="Times New Roman" panose="02020603050405020304" pitchFamily="18" charset="0"/>
-                <a:cs typeface="Times New Roman" panose="02020603050405020304" pitchFamily="18" charset="0"/>
-              </a:rPr>
-              <a:t>intenert</a:t>
-            </a:r>
-            <a:r>
-              <a:rPr lang="pt-BR" sz="2200" dirty="0">
-                <a:latin typeface="Times New Roman" panose="02020603050405020304" pitchFamily="18" charset="0"/>
-                <a:cs typeface="Times New Roman" panose="02020603050405020304" pitchFamily="18" charset="0"/>
-              </a:rPr>
-              <a:t> 5G.</a:t>
+              <a:t>- integração de diferentes sistemas, como máquinas, sensores, etc. Protocolos OPC-UA, internet 5G.</a:t>
             </a:r>
           </a:p>
           <a:p>
@@ -6584,8 +6570,77 @@
                 <a:latin typeface="Times New Roman" panose="02020603050405020304" pitchFamily="18" charset="0"/>
                 <a:cs typeface="Times New Roman" panose="02020603050405020304" pitchFamily="18" charset="0"/>
               </a:rPr>
-              <a:t>?</a:t>
-            </a:r>
+              <a:t>? </a:t>
+            </a:r>
+          </a:p>
+          <a:p>
+            <a:pPr marL="0" indent="0" algn="just">
+              <a:buNone/>
+            </a:pPr>
+            <a:r>
+              <a:rPr lang="pt-BR" sz="2400" b="1" dirty="0">
+                <a:latin typeface="Times New Roman" panose="02020603050405020304" pitchFamily="18" charset="0"/>
+                <a:cs typeface="Times New Roman" panose="02020603050405020304" pitchFamily="18" charset="0"/>
+              </a:rPr>
+              <a:t>				</a:t>
+            </a:r>
+            <a:r>
+              <a:rPr lang="pt-BR" sz="1600" b="1" dirty="0">
+                <a:solidFill>
+                  <a:srgbClr val="0070C0"/>
+                </a:solidFill>
+                <a:latin typeface="Times New Roman" panose="02020603050405020304" pitchFamily="18" charset="0"/>
+                <a:cs typeface="Times New Roman" panose="02020603050405020304" pitchFamily="18" charset="0"/>
+              </a:rPr>
+              <a:t>aumento da eficiência</a:t>
+            </a:r>
+            <a:r>
+              <a:rPr lang="pt-BR" sz="1600" dirty="0">
+                <a:solidFill>
+                  <a:srgbClr val="0070C0"/>
+                </a:solidFill>
+                <a:latin typeface="Times New Roman" panose="02020603050405020304" pitchFamily="18" charset="0"/>
+                <a:cs typeface="Times New Roman" panose="02020603050405020304" pitchFamily="18" charset="0"/>
+              </a:rPr>
+              <a:t>, </a:t>
+            </a:r>
+            <a:r>
+              <a:rPr lang="pt-BR" sz="1600" b="1" dirty="0">
+                <a:solidFill>
+                  <a:srgbClr val="0070C0"/>
+                </a:solidFill>
+                <a:latin typeface="Times New Roman" panose="02020603050405020304" pitchFamily="18" charset="0"/>
+                <a:cs typeface="Times New Roman" panose="02020603050405020304" pitchFamily="18" charset="0"/>
+              </a:rPr>
+              <a:t>redução de falhas</a:t>
+            </a:r>
+            <a:r>
+              <a:rPr lang="pt-BR" sz="1600" dirty="0">
+                <a:solidFill>
+                  <a:srgbClr val="0070C0"/>
+                </a:solidFill>
+                <a:latin typeface="Times New Roman" panose="02020603050405020304" pitchFamily="18" charset="0"/>
+                <a:cs typeface="Times New Roman" panose="02020603050405020304" pitchFamily="18" charset="0"/>
+              </a:rPr>
+              <a:t> e </a:t>
+            </a:r>
+            <a:r>
+              <a:rPr lang="pt-BR" sz="1600" b="1" dirty="0">
+                <a:solidFill>
+                  <a:srgbClr val="0070C0"/>
+                </a:solidFill>
+                <a:latin typeface="Times New Roman" panose="02020603050405020304" pitchFamily="18" charset="0"/>
+                <a:cs typeface="Times New Roman" panose="02020603050405020304" pitchFamily="18" charset="0"/>
+              </a:rPr>
+              <a:t>melhora no desempenho</a:t>
+            </a:r>
+            <a:endParaRPr lang="pt-BR" sz="2400" dirty="0">
+              <a:solidFill>
+                <a:srgbClr val="0070C0"/>
+              </a:solidFill>
+              <a:latin typeface="Times New Roman" panose="02020603050405020304" pitchFamily="18" charset="0"/>
+              <a:cs typeface="Times New Roman" panose="02020603050405020304" pitchFamily="18" charset="0"/>
+            </a:endParaRPr>
           </a:p>
         </p:txBody>
       </p:sp>
